--- a/day2/real_life_concurrency_problems/nodejs_real_life_concurrency_problems.pptx
+++ b/day2/real_life_concurrency_problems/nodejs_real_life_concurrency_problems.pptx
@@ -5,43 +5,48 @@
     <p:sldMasterId id="2147483689" r:id="rId1"/>
   </p:sldMasterIdLst>
   <p:notesMasterIdLst>
-    <p:notesMasterId r:id="rId36"/>
+    <p:notesMasterId r:id="rId41"/>
   </p:notesMasterIdLst>
   <p:sldIdLst>
     <p:sldId id="256" r:id="rId2"/>
     <p:sldId id="313" r:id="rId3"/>
     <p:sldId id="362" r:id="rId4"/>
-    <p:sldId id="363" r:id="rId5"/>
-    <p:sldId id="376" r:id="rId6"/>
-    <p:sldId id="364" r:id="rId7"/>
-    <p:sldId id="375" r:id="rId8"/>
-    <p:sldId id="344" r:id="rId9"/>
-    <p:sldId id="343" r:id="rId10"/>
-    <p:sldId id="345" r:id="rId11"/>
-    <p:sldId id="347" r:id="rId12"/>
-    <p:sldId id="346" r:id="rId13"/>
-    <p:sldId id="348" r:id="rId14"/>
-    <p:sldId id="349" r:id="rId15"/>
-    <p:sldId id="351" r:id="rId16"/>
-    <p:sldId id="353" r:id="rId17"/>
-    <p:sldId id="354" r:id="rId18"/>
-    <p:sldId id="355" r:id="rId19"/>
-    <p:sldId id="372" r:id="rId20"/>
-    <p:sldId id="373" r:id="rId21"/>
-    <p:sldId id="374" r:id="rId22"/>
-    <p:sldId id="357" r:id="rId23"/>
-    <p:sldId id="356" r:id="rId24"/>
-    <p:sldId id="358" r:id="rId25"/>
-    <p:sldId id="361" r:id="rId26"/>
-    <p:sldId id="365" r:id="rId27"/>
-    <p:sldId id="366" r:id="rId28"/>
-    <p:sldId id="367" r:id="rId29"/>
-    <p:sldId id="368" r:id="rId30"/>
-    <p:sldId id="370" r:id="rId31"/>
-    <p:sldId id="359" r:id="rId32"/>
-    <p:sldId id="360" r:id="rId33"/>
-    <p:sldId id="371" r:id="rId34"/>
-    <p:sldId id="304" r:id="rId35"/>
+    <p:sldId id="377" r:id="rId5"/>
+    <p:sldId id="363" r:id="rId6"/>
+    <p:sldId id="376" r:id="rId7"/>
+    <p:sldId id="378" r:id="rId8"/>
+    <p:sldId id="379" r:id="rId9"/>
+    <p:sldId id="380" r:id="rId10"/>
+    <p:sldId id="364" r:id="rId11"/>
+    <p:sldId id="375" r:id="rId12"/>
+    <p:sldId id="344" r:id="rId13"/>
+    <p:sldId id="343" r:id="rId14"/>
+    <p:sldId id="345" r:id="rId15"/>
+    <p:sldId id="347" r:id="rId16"/>
+    <p:sldId id="346" r:id="rId17"/>
+    <p:sldId id="348" r:id="rId18"/>
+    <p:sldId id="349" r:id="rId19"/>
+    <p:sldId id="351" r:id="rId20"/>
+    <p:sldId id="353" r:id="rId21"/>
+    <p:sldId id="354" r:id="rId22"/>
+    <p:sldId id="355" r:id="rId23"/>
+    <p:sldId id="372" r:id="rId24"/>
+    <p:sldId id="373" r:id="rId25"/>
+    <p:sldId id="374" r:id="rId26"/>
+    <p:sldId id="357" r:id="rId27"/>
+    <p:sldId id="356" r:id="rId28"/>
+    <p:sldId id="358" r:id="rId29"/>
+    <p:sldId id="361" r:id="rId30"/>
+    <p:sldId id="365" r:id="rId31"/>
+    <p:sldId id="366" r:id="rId32"/>
+    <p:sldId id="367" r:id="rId33"/>
+    <p:sldId id="368" r:id="rId34"/>
+    <p:sldId id="370" r:id="rId35"/>
+    <p:sldId id="359" r:id="rId36"/>
+    <p:sldId id="360" r:id="rId37"/>
+    <p:sldId id="371" r:id="rId38"/>
+    <p:sldId id="381" r:id="rId39"/>
+    <p:sldId id="304" r:id="rId40"/>
   </p:sldIdLst>
   <p:sldSz cx="9144000" cy="6858000" type="screen4x3"/>
   <p:notesSz cx="6858000" cy="9144000"/>
@@ -142,7 +147,7 @@
   </p:defaultTextStyle>
   <p:extLst>
     <p:ext uri="{EFAFB233-063F-42B5-8137-9DF3F51BA10A}">
-      <p15:sldGuideLst xmlns:p15="http://schemas.microsoft.com/office/powerpoint/2012/main" xmlns="">
+      <p15:sldGuideLst xmlns="" xmlns:p15="http://schemas.microsoft.com/office/powerpoint/2012/main">
         <p15:guide id="1" orient="horz" pos="2160">
           <p15:clr>
             <a:srgbClr val="A4A3A4"/>
@@ -241,7 +246,7 @@
           <a:p>
             <a:fld id="{1E64356D-F091-4486-B0BB-66BE03FC5D73}" type="datetimeFigureOut">
               <a:rPr lang="en-US" smtClean="0"/>
-              <a:t>4/9/2018</a:t>
+              <a:t>4/28/2018</a:t>
             </a:fld>
             <a:endParaRPr lang="en-US"/>
           </a:p>
@@ -1387,7 +1392,7 @@
             <a:fld id="{1D8BD707-D9CF-40AE-B4C6-C98DA3205C09}" type="datetimeFigureOut">
               <a:rPr lang="en-US" smtClean="0"/>
               <a:pPr/>
-              <a:t>4/9/2018</a:t>
+              <a:t>4/28/2018</a:t>
             </a:fld>
             <a:endParaRPr lang="en-US"/>
           </a:p>
@@ -1640,7 +1645,7 @@
             <a:fld id="{1D8BD707-D9CF-40AE-B4C6-C98DA3205C09}" type="datetimeFigureOut">
               <a:rPr lang="en-US" smtClean="0"/>
               <a:pPr/>
-              <a:t>4/9/2018</a:t>
+              <a:t>4/28/2018</a:t>
             </a:fld>
             <a:endParaRPr lang="en-US"/>
           </a:p>
@@ -1956,7 +1961,7 @@
             <a:fld id="{1D8BD707-D9CF-40AE-B4C6-C98DA3205C09}" type="datetimeFigureOut">
               <a:rPr lang="en-US" smtClean="0"/>
               <a:pPr/>
-              <a:t>4/9/2018</a:t>
+              <a:t>4/28/2018</a:t>
             </a:fld>
             <a:endParaRPr lang="en-US"/>
           </a:p>
@@ -2291,7 +2296,7 @@
             <a:fld id="{1D8BD707-D9CF-40AE-B4C6-C98DA3205C09}" type="datetimeFigureOut">
               <a:rPr lang="en-US" smtClean="0"/>
               <a:pPr/>
-              <a:t>4/9/2018</a:t>
+              <a:t>4/28/2018</a:t>
             </a:fld>
             <a:endParaRPr lang="en-US"/>
           </a:p>
@@ -2607,7 +2612,7 @@
             <a:fld id="{1D8BD707-D9CF-40AE-B4C6-C98DA3205C09}" type="datetimeFigureOut">
               <a:rPr lang="en-US" smtClean="0"/>
               <a:pPr/>
-              <a:t>4/9/2018</a:t>
+              <a:t>4/28/2018</a:t>
             </a:fld>
             <a:endParaRPr lang="en-US"/>
           </a:p>
@@ -3002,7 +3007,7 @@
             <a:fld id="{1D8BD707-D9CF-40AE-B4C6-C98DA3205C09}" type="datetimeFigureOut">
               <a:rPr lang="en-US" smtClean="0"/>
               <a:pPr/>
-              <a:t>4/9/2018</a:t>
+              <a:t>4/28/2018</a:t>
             </a:fld>
             <a:endParaRPr lang="en-US"/>
           </a:p>
@@ -3174,7 +3179,7 @@
             <a:fld id="{1D8BD707-D9CF-40AE-B4C6-C98DA3205C09}" type="datetimeFigureOut">
               <a:rPr lang="en-US" smtClean="0"/>
               <a:pPr/>
-              <a:t>4/9/2018</a:t>
+              <a:t>4/28/2018</a:t>
             </a:fld>
             <a:endParaRPr lang="en-US"/>
           </a:p>
@@ -3356,7 +3361,7 @@
             <a:fld id="{1D8BD707-D9CF-40AE-B4C6-C98DA3205C09}" type="datetimeFigureOut">
               <a:rPr lang="en-US" smtClean="0"/>
               <a:pPr/>
-              <a:t>4/9/2018</a:t>
+              <a:t>4/28/2018</a:t>
             </a:fld>
             <a:endParaRPr lang="en-US"/>
           </a:p>
@@ -3528,7 +3533,7 @@
             <a:fld id="{1D8BD707-D9CF-40AE-B4C6-C98DA3205C09}" type="datetimeFigureOut">
               <a:rPr lang="en-US" smtClean="0"/>
               <a:pPr/>
-              <a:t>4/9/2018</a:t>
+              <a:t>4/28/2018</a:t>
             </a:fld>
             <a:endParaRPr lang="en-US"/>
           </a:p>
@@ -3777,7 +3782,7 @@
             <a:fld id="{1D8BD707-D9CF-40AE-B4C6-C98DA3205C09}" type="datetimeFigureOut">
               <a:rPr lang="en-US" smtClean="0"/>
               <a:pPr/>
-              <a:t>4/9/2018</a:t>
+              <a:t>4/28/2018</a:t>
             </a:fld>
             <a:endParaRPr lang="en-US"/>
           </a:p>
@@ -4076,7 +4081,7 @@
             <a:fld id="{1D8BD707-D9CF-40AE-B4C6-C98DA3205C09}" type="datetimeFigureOut">
               <a:rPr lang="en-US" smtClean="0"/>
               <a:pPr/>
-              <a:t>4/9/2018</a:t>
+              <a:t>4/28/2018</a:t>
             </a:fld>
             <a:endParaRPr lang="en-US"/>
           </a:p>
@@ -4457,7 +4462,7 @@
             <a:fld id="{1D8BD707-D9CF-40AE-B4C6-C98DA3205C09}" type="datetimeFigureOut">
               <a:rPr lang="en-US" smtClean="0"/>
               <a:pPr/>
-              <a:t>4/9/2018</a:t>
+              <a:t>4/28/2018</a:t>
             </a:fld>
             <a:endParaRPr lang="en-US"/>
           </a:p>
@@ -4582,7 +4587,7 @@
             <a:fld id="{1D8BD707-D9CF-40AE-B4C6-C98DA3205C09}" type="datetimeFigureOut">
               <a:rPr lang="en-US" smtClean="0"/>
               <a:pPr/>
-              <a:t>4/9/2018</a:t>
+              <a:t>4/28/2018</a:t>
             </a:fld>
             <a:endParaRPr lang="en-US"/>
           </a:p>
@@ -4679,7 +4684,7 @@
             <a:fld id="{1D8BD707-D9CF-40AE-B4C6-C98DA3205C09}" type="datetimeFigureOut">
               <a:rPr lang="en-US" smtClean="0"/>
               <a:pPr/>
-              <a:t>4/9/2018</a:t>
+              <a:t>4/28/2018</a:t>
             </a:fld>
             <a:endParaRPr lang="en-US"/>
           </a:p>
@@ -4936,7 +4941,7 @@
             <a:fld id="{1D8BD707-D9CF-40AE-B4C6-C98DA3205C09}" type="datetimeFigureOut">
               <a:rPr lang="en-US" smtClean="0"/>
               <a:pPr/>
-              <a:t>4/9/2018</a:t>
+              <a:t>4/28/2018</a:t>
             </a:fld>
             <a:endParaRPr lang="en-US"/>
           </a:p>
@@ -5201,7 +5206,7 @@
             <a:fld id="{1D8BD707-D9CF-40AE-B4C6-C98DA3205C09}" type="datetimeFigureOut">
               <a:rPr lang="en-US" smtClean="0"/>
               <a:pPr/>
-              <a:t>4/9/2018</a:t>
+              <a:t>4/28/2018</a:t>
             </a:fld>
             <a:endParaRPr lang="en-US"/>
           </a:p>
@@ -6017,7 +6022,7 @@
             <a:fld id="{1D8BD707-D9CF-40AE-B4C6-C98DA3205C09}" type="datetimeFigureOut">
               <a:rPr lang="en-US" smtClean="0"/>
               <a:pPr/>
-              <a:t>4/9/2018</a:t>
+              <a:t>4/28/2018</a:t>
             </a:fld>
             <a:endParaRPr lang="en-US"/>
           </a:p>
@@ -6709,7 +6714,39 @@
           <a:p>
             <a:r>
               <a:rPr lang="en-US" dirty="0" smtClean="0"/>
-              <a:t>Object Oriented Use cases</a:t>
+              <a:t>Asynchronous Operations </a:t>
+            </a:r>
+            <a:r>
+              <a:rPr lang="en-US" dirty="0"/>
+              <a:t>T</a:t>
+            </a:r>
+            <a:r>
+              <a:rPr lang="en-US" dirty="0" smtClean="0"/>
+              <a:t>hat </a:t>
+            </a:r>
+            <a:r>
+              <a:rPr lang="en-US" dirty="0"/>
+              <a:t>W</a:t>
+            </a:r>
+            <a:r>
+              <a:rPr lang="en-US" dirty="0" smtClean="0"/>
+              <a:t>e </a:t>
+            </a:r>
+            <a:r>
+              <a:rPr lang="en-US" dirty="0"/>
+              <a:t>D</a:t>
+            </a:r>
+            <a:r>
+              <a:rPr lang="en-US" dirty="0" smtClean="0"/>
+              <a:t>on’t </a:t>
+            </a:r>
+            <a:r>
+              <a:rPr lang="en-US" dirty="0"/>
+              <a:t>E</a:t>
+            </a:r>
+            <a:r>
+              <a:rPr lang="en-US" dirty="0" smtClean="0"/>
+              <a:t>xpect</a:t>
             </a:r>
             <a:endParaRPr lang="en-US" dirty="0"/>
           </a:p>
@@ -6732,40 +6769,53 @@
           <a:p>
             <a:r>
               <a:rPr lang="en-US" dirty="0" smtClean="0"/>
-              <a:t>Singleton design/anti pattern </a:t>
-            </a:r>
-          </a:p>
-          <a:p>
-            <a:r>
-              <a:rPr lang="en-US" dirty="0" smtClean="0"/>
-              <a:t>Factory method</a:t>
-            </a:r>
-          </a:p>
-          <a:p>
-            <a:r>
-              <a:rPr lang="en-US" dirty="0" smtClean="0"/>
-              <a:t>Caching layers</a:t>
-            </a:r>
-          </a:p>
-          <a:p>
-            <a:r>
-              <a:rPr lang="en-US" dirty="0" smtClean="0"/>
-              <a:t>Returning immutable objects</a:t>
-            </a:r>
-          </a:p>
-          <a:p>
-            <a:r>
-              <a:rPr lang="en-US" dirty="0" smtClean="0"/>
-              <a:t>And more …</a:t>
-            </a:r>
-            <a:endParaRPr lang="en-US" dirty="0"/>
+              <a:t>Using a function that uses timers in it’s internal implementation</a:t>
+            </a:r>
+          </a:p>
+          <a:p>
+            <a:pPr lvl="1"/>
+            <a:r>
+              <a:rPr lang="en-US" dirty="0" err="1" smtClean="0"/>
+              <a:t>SetInterval</a:t>
+            </a:r>
+            <a:endParaRPr lang="en-US" dirty="0" smtClean="0"/>
+          </a:p>
+          <a:p>
+            <a:pPr lvl="1"/>
+            <a:r>
+              <a:rPr lang="en-US" dirty="0" err="1" smtClean="0"/>
+              <a:t>SetImmediate</a:t>
+            </a:r>
+            <a:endParaRPr lang="en-US" dirty="0" smtClean="0"/>
+          </a:p>
+          <a:p>
+            <a:pPr lvl="1"/>
+            <a:r>
+              <a:rPr lang="en-US" dirty="0" err="1" smtClean="0"/>
+              <a:t>SetTimeout</a:t>
+            </a:r>
+            <a:endParaRPr lang="en-US" dirty="0" smtClean="0"/>
+          </a:p>
+          <a:p>
+            <a:r>
+              <a:rPr lang="en-US" dirty="0" smtClean="0"/>
+              <a:t>I/O operations in the function internal implementation</a:t>
+            </a:r>
+            <a:endParaRPr lang="he-IL" dirty="0" smtClean="0"/>
+          </a:p>
+          <a:p>
+            <a:r>
+              <a:rPr lang="en-US" dirty="0" smtClean="0"/>
+              <a:t>Usage a function from third party library – internal implementation performs asynchronous operations</a:t>
+            </a:r>
+            <a:endParaRPr lang="he-IL" dirty="0" smtClean="0"/>
           </a:p>
         </p:txBody>
       </p:sp>
     </p:spTree>
     <p:extLst>
       <p:ext uri="{BB962C8B-B14F-4D97-AF65-F5344CB8AC3E}">
-        <p14:creationId xmlns:p14="http://schemas.microsoft.com/office/powerpoint/2010/main" val="588555167"/>
+        <p14:creationId xmlns:p14="http://schemas.microsoft.com/office/powerpoint/2010/main" val="3663710991"/>
       </p:ext>
     </p:extLst>
   </p:cSld>
@@ -6804,6 +6854,410 @@
         </p:nvSpPr>
         <p:spPr/>
         <p:txBody>
+          <a:bodyPr/>
+          <a:lstStyle/>
+          <a:p>
+            <a:r>
+              <a:rPr lang="en-US" dirty="0" smtClean="0"/>
+              <a:t>How To Solve Concurrency Problems In Node</a:t>
+            </a:r>
+            <a:endParaRPr lang="en-US" dirty="0"/>
+          </a:p>
+        </p:txBody>
+      </p:sp>
+      <p:sp>
+        <p:nvSpPr>
+          <p:cNvPr id="3" name="Content Placeholder 2"/>
+          <p:cNvSpPr>
+            <a:spLocks noGrp="1"/>
+          </p:cNvSpPr>
+          <p:nvPr>
+            <p:ph idx="1"/>
+          </p:nvPr>
+        </p:nvSpPr>
+        <p:spPr/>
+        <p:txBody>
+          <a:bodyPr/>
+          <a:lstStyle/>
+          <a:p>
+            <a:r>
+              <a:rPr lang="en-US" dirty="0" smtClean="0"/>
+              <a:t>Node.js programming paradigms are different</a:t>
+            </a:r>
+          </a:p>
+          <a:p>
+            <a:r>
+              <a:rPr lang="en-US" dirty="0" smtClean="0"/>
+              <a:t>Utilize mechanisms for concurrency and implement them in Node.js</a:t>
+            </a:r>
+          </a:p>
+          <a:p>
+            <a:pPr lvl="1"/>
+            <a:r>
+              <a:rPr lang="en-US" dirty="0" smtClean="0"/>
+              <a:t>Implement lock</a:t>
+            </a:r>
+          </a:p>
+          <a:p>
+            <a:pPr lvl="1"/>
+            <a:r>
+              <a:rPr lang="en-US" dirty="0" smtClean="0"/>
+              <a:t>Implement critical section</a:t>
+            </a:r>
+          </a:p>
+          <a:p>
+            <a:r>
+              <a:rPr lang="en-US" dirty="0" smtClean="0"/>
+              <a:t>Take general patterns and use them as they are</a:t>
+            </a:r>
+          </a:p>
+          <a:p>
+            <a:pPr lvl="1"/>
+            <a:r>
+              <a:rPr lang="en-US" dirty="0" smtClean="0"/>
+              <a:t>Optimistic locking</a:t>
+            </a:r>
+          </a:p>
+          <a:p>
+            <a:pPr lvl="1"/>
+            <a:r>
+              <a:rPr lang="en-US" dirty="0" smtClean="0"/>
+              <a:t>Transactions (if supported)</a:t>
+            </a:r>
+          </a:p>
+          <a:p>
+            <a:pPr lvl="1"/>
+            <a:r>
+              <a:rPr lang="en-US" dirty="0" smtClean="0"/>
+              <a:t>And more …</a:t>
+            </a:r>
+            <a:endParaRPr lang="en-US" dirty="0"/>
+          </a:p>
+        </p:txBody>
+      </p:sp>
+    </p:spTree>
+    <p:extLst>
+      <p:ext uri="{BB962C8B-B14F-4D97-AF65-F5344CB8AC3E}">
+        <p14:creationId xmlns:p14="http://schemas.microsoft.com/office/powerpoint/2010/main" val="2768232591"/>
+      </p:ext>
+    </p:extLst>
+  </p:cSld>
+  <p:clrMapOvr>
+    <a:masterClrMapping/>
+  </p:clrMapOvr>
+</p:sld>
+</file>
+
+<file path=ppt/slides/slide12.xml><?xml version="1.0" encoding="utf-8"?>
+<p:sld xmlns:a="http://schemas.openxmlformats.org/drawingml/2006/main" xmlns:r="http://schemas.openxmlformats.org/officeDocument/2006/relationships" xmlns:p="http://schemas.openxmlformats.org/presentationml/2006/main">
+  <p:cSld>
+    <p:spTree>
+      <p:nvGrpSpPr>
+        <p:cNvPr id="1" name=""/>
+        <p:cNvGrpSpPr/>
+        <p:nvPr/>
+      </p:nvGrpSpPr>
+      <p:grpSpPr>
+        <a:xfrm>
+          <a:off x="0" y="0"/>
+          <a:ext cx="0" cy="0"/>
+          <a:chOff x="0" y="0"/>
+          <a:chExt cx="0" cy="0"/>
+        </a:xfrm>
+      </p:grpSpPr>
+      <p:sp>
+        <p:nvSpPr>
+          <p:cNvPr id="2" name="Title 1"/>
+          <p:cNvSpPr>
+            <a:spLocks noGrp="1"/>
+          </p:cNvSpPr>
+          <p:nvPr>
+            <p:ph type="title"/>
+          </p:nvPr>
+        </p:nvSpPr>
+        <p:spPr>
+          <a:xfrm>
+            <a:off x="609599" y="2717800"/>
+            <a:ext cx="6347713" cy="1320800"/>
+          </a:xfrm>
+        </p:spPr>
+        <p:txBody>
+          <a:bodyPr/>
+          <a:lstStyle/>
+          <a:p>
+            <a:r>
+              <a:rPr lang="en-US" dirty="0" smtClean="0"/>
+              <a:t>Lazy Initialization</a:t>
+            </a:r>
+            <a:endParaRPr lang="en-US" dirty="0"/>
+          </a:p>
+        </p:txBody>
+      </p:sp>
+    </p:spTree>
+    <p:extLst>
+      <p:ext uri="{BB962C8B-B14F-4D97-AF65-F5344CB8AC3E}">
+        <p14:creationId xmlns:p14="http://schemas.microsoft.com/office/powerpoint/2010/main" val="385155390"/>
+      </p:ext>
+    </p:extLst>
+  </p:cSld>
+  <p:clrMapOvr>
+    <a:masterClrMapping/>
+  </p:clrMapOvr>
+</p:sld>
+</file>
+
+<file path=ppt/slides/slide13.xml><?xml version="1.0" encoding="utf-8"?>
+<p:sld xmlns:a="http://schemas.openxmlformats.org/drawingml/2006/main" xmlns:r="http://schemas.openxmlformats.org/officeDocument/2006/relationships" xmlns:p="http://schemas.openxmlformats.org/presentationml/2006/main">
+  <p:cSld>
+    <p:spTree>
+      <p:nvGrpSpPr>
+        <p:cNvPr id="1" name=""/>
+        <p:cNvGrpSpPr/>
+        <p:nvPr/>
+      </p:nvGrpSpPr>
+      <p:grpSpPr>
+        <a:xfrm>
+          <a:off x="0" y="0"/>
+          <a:ext cx="0" cy="0"/>
+          <a:chOff x="0" y="0"/>
+          <a:chExt cx="0" cy="0"/>
+        </a:xfrm>
+      </p:grpSpPr>
+      <p:sp>
+        <p:nvSpPr>
+          <p:cNvPr id="2" name="Title 1"/>
+          <p:cNvSpPr>
+            <a:spLocks noGrp="1"/>
+          </p:cNvSpPr>
+          <p:nvPr>
+            <p:ph type="title"/>
+          </p:nvPr>
+        </p:nvSpPr>
+        <p:spPr/>
+        <p:txBody>
+          <a:bodyPr/>
+          <a:lstStyle/>
+          <a:p>
+            <a:r>
+              <a:rPr lang="en-US" dirty="0" smtClean="0"/>
+              <a:t>Problem statement</a:t>
+            </a:r>
+            <a:endParaRPr lang="en-US" dirty="0"/>
+          </a:p>
+        </p:txBody>
+      </p:sp>
+      <p:sp>
+        <p:nvSpPr>
+          <p:cNvPr id="3" name="Content Placeholder 2"/>
+          <p:cNvSpPr>
+            <a:spLocks noGrp="1"/>
+          </p:cNvSpPr>
+          <p:nvPr>
+            <p:ph idx="1"/>
+          </p:nvPr>
+        </p:nvSpPr>
+        <p:spPr>
+          <a:xfrm>
+            <a:off x="609599" y="1834227"/>
+            <a:ext cx="6347714" cy="3880773"/>
+          </a:xfrm>
+        </p:spPr>
+        <p:txBody>
+          <a:bodyPr/>
+          <a:lstStyle/>
+          <a:p>
+            <a:r>
+              <a:rPr lang="en-US" dirty="0" smtClean="0"/>
+              <a:t>Delaying specific operation until the first time it is needed</a:t>
+            </a:r>
+          </a:p>
+          <a:p>
+            <a:pPr lvl="1"/>
+            <a:r>
+              <a:rPr lang="en-US" dirty="0"/>
+              <a:t>C</a:t>
+            </a:r>
+            <a:r>
+              <a:rPr lang="en-US" dirty="0" smtClean="0"/>
+              <a:t>reation of an object </a:t>
+            </a:r>
+            <a:endParaRPr lang="en-US" dirty="0"/>
+          </a:p>
+          <a:p>
+            <a:pPr lvl="1"/>
+            <a:r>
+              <a:rPr lang="en-US" dirty="0"/>
+              <a:t>C</a:t>
+            </a:r>
+            <a:r>
+              <a:rPr lang="en-US" dirty="0" smtClean="0"/>
+              <a:t>alculation of a value.</a:t>
+            </a:r>
+          </a:p>
+          <a:p>
+            <a:pPr lvl="1"/>
+            <a:r>
+              <a:rPr lang="en-US" dirty="0" smtClean="0"/>
+              <a:t>Other expensive operation</a:t>
+            </a:r>
+          </a:p>
+          <a:p>
+            <a:r>
+              <a:rPr lang="en-US" dirty="0" smtClean="0"/>
+              <a:t>Avoid repeating the operation the next time it is needed</a:t>
+            </a:r>
+            <a:endParaRPr lang="he-IL" dirty="0" smtClean="0"/>
+          </a:p>
+          <a:p>
+            <a:r>
+              <a:rPr lang="en-US" dirty="0" smtClean="0"/>
+              <a:t>Initialize a member by key on an internal cache container</a:t>
+            </a:r>
+          </a:p>
+        </p:txBody>
+      </p:sp>
+    </p:spTree>
+    <p:extLst>
+      <p:ext uri="{BB962C8B-B14F-4D97-AF65-F5344CB8AC3E}">
+        <p14:creationId xmlns:p14="http://schemas.microsoft.com/office/powerpoint/2010/main" val="556160014"/>
+      </p:ext>
+    </p:extLst>
+  </p:cSld>
+  <p:clrMapOvr>
+    <a:masterClrMapping/>
+  </p:clrMapOvr>
+</p:sld>
+</file>
+
+<file path=ppt/slides/slide14.xml><?xml version="1.0" encoding="utf-8"?>
+<p:sld xmlns:a="http://schemas.openxmlformats.org/drawingml/2006/main" xmlns:r="http://schemas.openxmlformats.org/officeDocument/2006/relationships" xmlns:p="http://schemas.openxmlformats.org/presentationml/2006/main">
+  <p:cSld>
+    <p:spTree>
+      <p:nvGrpSpPr>
+        <p:cNvPr id="1" name=""/>
+        <p:cNvGrpSpPr/>
+        <p:nvPr/>
+      </p:nvGrpSpPr>
+      <p:grpSpPr>
+        <a:xfrm>
+          <a:off x="0" y="0"/>
+          <a:ext cx="0" cy="0"/>
+          <a:chOff x="0" y="0"/>
+          <a:chExt cx="0" cy="0"/>
+        </a:xfrm>
+      </p:grpSpPr>
+      <p:sp>
+        <p:nvSpPr>
+          <p:cNvPr id="2" name="Title 1"/>
+          <p:cNvSpPr>
+            <a:spLocks noGrp="1"/>
+          </p:cNvSpPr>
+          <p:nvPr>
+            <p:ph type="title"/>
+          </p:nvPr>
+        </p:nvSpPr>
+        <p:spPr/>
+        <p:txBody>
+          <a:bodyPr/>
+          <a:lstStyle/>
+          <a:p>
+            <a:r>
+              <a:rPr lang="en-US" dirty="0" smtClean="0"/>
+              <a:t>Object Oriented Use cases</a:t>
+            </a:r>
+            <a:endParaRPr lang="en-US" dirty="0"/>
+          </a:p>
+        </p:txBody>
+      </p:sp>
+      <p:sp>
+        <p:nvSpPr>
+          <p:cNvPr id="3" name="Content Placeholder 2"/>
+          <p:cNvSpPr>
+            <a:spLocks noGrp="1"/>
+          </p:cNvSpPr>
+          <p:nvPr>
+            <p:ph idx="1"/>
+          </p:nvPr>
+        </p:nvSpPr>
+        <p:spPr/>
+        <p:txBody>
+          <a:bodyPr/>
+          <a:lstStyle/>
+          <a:p>
+            <a:r>
+              <a:rPr lang="en-US" dirty="0" smtClean="0"/>
+              <a:t>Singleton design/anti pattern </a:t>
+            </a:r>
+          </a:p>
+          <a:p>
+            <a:r>
+              <a:rPr lang="en-US" dirty="0" smtClean="0"/>
+              <a:t>Factory method</a:t>
+            </a:r>
+          </a:p>
+          <a:p>
+            <a:r>
+              <a:rPr lang="en-US" dirty="0" smtClean="0"/>
+              <a:t>Caching layers</a:t>
+            </a:r>
+          </a:p>
+          <a:p>
+            <a:r>
+              <a:rPr lang="en-US" dirty="0" smtClean="0"/>
+              <a:t>Returning immutable objects</a:t>
+            </a:r>
+          </a:p>
+          <a:p>
+            <a:r>
+              <a:rPr lang="en-US" dirty="0" smtClean="0"/>
+              <a:t>And more …</a:t>
+            </a:r>
+            <a:endParaRPr lang="en-US" dirty="0"/>
+          </a:p>
+        </p:txBody>
+      </p:sp>
+    </p:spTree>
+    <p:extLst>
+      <p:ext uri="{BB962C8B-B14F-4D97-AF65-F5344CB8AC3E}">
+        <p14:creationId xmlns:p14="http://schemas.microsoft.com/office/powerpoint/2010/main" val="588555167"/>
+      </p:ext>
+    </p:extLst>
+  </p:cSld>
+  <p:clrMapOvr>
+    <a:masterClrMapping/>
+  </p:clrMapOvr>
+</p:sld>
+</file>
+
+<file path=ppt/slides/slide15.xml><?xml version="1.0" encoding="utf-8"?>
+<p:sld xmlns:a="http://schemas.openxmlformats.org/drawingml/2006/main" xmlns:r="http://schemas.openxmlformats.org/officeDocument/2006/relationships" xmlns:p="http://schemas.openxmlformats.org/presentationml/2006/main">
+  <p:cSld>
+    <p:spTree>
+      <p:nvGrpSpPr>
+        <p:cNvPr id="1" name=""/>
+        <p:cNvGrpSpPr/>
+        <p:nvPr/>
+      </p:nvGrpSpPr>
+      <p:grpSpPr>
+        <a:xfrm>
+          <a:off x="0" y="0"/>
+          <a:ext cx="0" cy="0"/>
+          <a:chOff x="0" y="0"/>
+          <a:chExt cx="0" cy="0"/>
+        </a:xfrm>
+      </p:grpSpPr>
+      <p:sp>
+        <p:nvSpPr>
+          <p:cNvPr id="2" name="Title 1"/>
+          <p:cNvSpPr>
+            <a:spLocks noGrp="1"/>
+          </p:cNvSpPr>
+          <p:nvPr>
+            <p:ph type="title"/>
+          </p:nvPr>
+        </p:nvSpPr>
+        <p:spPr/>
+        <p:txBody>
           <a:bodyPr>
             <a:normAutofit/>
           </a:bodyPr>
@@ -6811,7 +7265,19 @@
           <a:p>
             <a:r>
               <a:rPr lang="en-US" dirty="0" smtClean="0"/>
-              <a:t>Lazy Initialization Usage – Java Singleton</a:t>
+              <a:t>Lazy Initialization Usage – Java </a:t>
+            </a:r>
+            <a:r>
+              <a:rPr lang="en-US" dirty="0" smtClean="0"/>
+              <a:t>Singleton</a:t>
+            </a:r>
+            <a:r>
+              <a:rPr lang="he-IL" dirty="0" smtClean="0"/>
+              <a:t> </a:t>
+            </a:r>
+            <a:r>
+              <a:rPr lang="en-US" dirty="0" smtClean="0"/>
+              <a:t> (Anti) Pattern</a:t>
             </a:r>
             <a:endParaRPr lang="en-US" dirty="0"/>
           </a:p>
@@ -6860,7 +7326,7 @@
 </p:sld>
 </file>
 
-<file path=ppt/slides/slide12.xml><?xml version="1.0" encoding="utf-8"?>
+<file path=ppt/slides/slide16.xml><?xml version="1.0" encoding="utf-8"?>
 <p:sld xmlns:a="http://schemas.openxmlformats.org/drawingml/2006/main" xmlns:r="http://schemas.openxmlformats.org/officeDocument/2006/relationships" xmlns:p="http://schemas.openxmlformats.org/presentationml/2006/main">
   <p:cSld>
     <p:spTree>
@@ -6894,7 +7360,11 @@
           <a:p>
             <a:r>
               <a:rPr lang="en-US" dirty="0" smtClean="0"/>
-              <a:t>Example : Java Thread Safe Singleton</a:t>
+              <a:t>Example : Java Thread Safe </a:t>
+            </a:r>
+            <a:r>
+              <a:rPr lang="en-US" dirty="0" smtClean="0"/>
+              <a:t>Singleton (Anti) Pattern</a:t>
             </a:r>
             <a:endParaRPr lang="en-US" dirty="0"/>
           </a:p>
@@ -6943,7 +7413,7 @@
 </p:sld>
 </file>
 
-<file path=ppt/slides/slide13.xml><?xml version="1.0" encoding="utf-8"?>
+<file path=ppt/slides/slide17.xml><?xml version="1.0" encoding="utf-8"?>
 <p:sld xmlns:a="http://schemas.openxmlformats.org/drawingml/2006/main" xmlns:r="http://schemas.openxmlformats.org/officeDocument/2006/relationships" xmlns:p="http://schemas.openxmlformats.org/presentationml/2006/main">
   <p:cSld>
     <p:spTree>
@@ -7047,7 +7517,7 @@
 </p:sld>
 </file>
 
-<file path=ppt/slides/slide14.xml><?xml version="1.0" encoding="utf-8"?>
+<file path=ppt/slides/slide18.xml><?xml version="1.0" encoding="utf-8"?>
 <p:sld xmlns:a="http://schemas.openxmlformats.org/drawingml/2006/main" xmlns:r="http://schemas.openxmlformats.org/officeDocument/2006/relationships" xmlns:p="http://schemas.openxmlformats.org/presentationml/2006/main">
   <p:cSld>
     <p:spTree>
@@ -7135,7 +7605,7 @@
           <p:cNvPr id="5" name="Right Arrow 8">
             <a:extLst>
               <a:ext uri="{FF2B5EF4-FFF2-40B4-BE49-F238E27FC236}">
-                <a16:creationId xmlns:a16="http://schemas.microsoft.com/office/drawing/2014/main" xmlns="" id="{9B6A5C66-3111-42AA-9715-A250ECC26D8A}"/>
+                <a16:creationId xmlns="" xmlns:a16="http://schemas.microsoft.com/office/drawing/2014/main" id="{9B6A5C66-3111-42AA-9715-A250ECC26D8A}"/>
               </a:ext>
             </a:extLst>
           </p:cNvPr>
@@ -7242,7 +7712,7 @@
           <p:cNvPr id="9" name="Right Arrow 8">
             <a:extLst>
               <a:ext uri="{FF2B5EF4-FFF2-40B4-BE49-F238E27FC236}">
-                <a16:creationId xmlns:a16="http://schemas.microsoft.com/office/drawing/2014/main" xmlns="" id="{9B6A5C66-3111-42AA-9715-A250ECC26D8A}"/>
+                <a16:creationId xmlns="" xmlns:a16="http://schemas.microsoft.com/office/drawing/2014/main" id="{9B6A5C66-3111-42AA-9715-A250ECC26D8A}"/>
               </a:ext>
             </a:extLst>
           </p:cNvPr>
@@ -7333,7 +7803,7 @@
           <p:cNvPr id="11" name="Right Arrow 10">
             <a:extLst>
               <a:ext uri="{FF2B5EF4-FFF2-40B4-BE49-F238E27FC236}">
-                <a16:creationId xmlns:a16="http://schemas.microsoft.com/office/drawing/2014/main" xmlns="" id="{9B6A5C66-3111-42AA-9715-A250ECC26D8A}"/>
+                <a16:creationId xmlns="" xmlns:a16="http://schemas.microsoft.com/office/drawing/2014/main" id="{9B6A5C66-3111-42AA-9715-A250ECC26D8A}"/>
               </a:ext>
             </a:extLst>
           </p:cNvPr>
@@ -7424,7 +7894,7 @@
           <p:cNvPr id="13" name="Right Arrow 12">
             <a:extLst>
               <a:ext uri="{FF2B5EF4-FFF2-40B4-BE49-F238E27FC236}">
-                <a16:creationId xmlns:a16="http://schemas.microsoft.com/office/drawing/2014/main" xmlns="" id="{9B6A5C66-3111-42AA-9715-A250ECC26D8A}"/>
+                <a16:creationId xmlns="" xmlns:a16="http://schemas.microsoft.com/office/drawing/2014/main" id="{9B6A5C66-3111-42AA-9715-A250ECC26D8A}"/>
               </a:ext>
             </a:extLst>
           </p:cNvPr>
@@ -7476,7 +7946,7 @@
         <p:spPr>
           <a:xfrm>
             <a:off x="609600" y="4991100"/>
-            <a:ext cx="1621086" cy="1333500"/>
+            <a:ext cx="1752600" cy="1409700"/>
           </a:xfrm>
           <a:prstGeom prst="rect">
             <a:avLst/>
@@ -7507,7 +7977,7 @@
             <a:pPr algn="ctr"/>
             <a:r>
               <a:rPr lang="en-US" dirty="0" smtClean="0"/>
-              <a:t>Context switch in event loop</a:t>
+              <a:t>Event loop stops current flow, start execute other events</a:t>
             </a:r>
             <a:endParaRPr lang="en-US" dirty="0"/>
           </a:p>
@@ -7518,7 +7988,7 @@
           <p:cNvPr id="15" name="Right Arrow 14">
             <a:extLst>
               <a:ext uri="{FF2B5EF4-FFF2-40B4-BE49-F238E27FC236}">
-                <a16:creationId xmlns:a16="http://schemas.microsoft.com/office/drawing/2014/main" xmlns="" id="{9B6A5C66-3111-42AA-9715-A250ECC26D8A}"/>
+                <a16:creationId xmlns="" xmlns:a16="http://schemas.microsoft.com/office/drawing/2014/main" id="{9B6A5C66-3111-42AA-9715-A250ECC26D8A}"/>
               </a:ext>
             </a:extLst>
           </p:cNvPr>
@@ -7640,16 +8110,20 @@
           <a:p>
             <a:pPr algn="ctr"/>
             <a:r>
-              <a:rPr lang="en-US" dirty="0" smtClean="0"/>
-              <a:t>Built in </a:t>
+              <a:rPr lang="en-US" dirty="0" err="1"/>
+              <a:t>A</a:t>
             </a:r>
             <a:r>
               <a:rPr lang="en-US" dirty="0" err="1" smtClean="0"/>
-              <a:t>async</a:t>
-            </a:r>
-            <a:r>
-              <a:rPr lang="en-US" dirty="0" smtClean="0"/>
-              <a:t> operation in </a:t>
+              <a:t>sync</a:t>
+            </a:r>
+            <a:r>
+              <a:rPr lang="en-US" dirty="0" smtClean="0"/>
+              <a:t> </a:t>
+            </a:r>
+            <a:r>
+              <a:rPr lang="en-US" dirty="0" smtClean="0"/>
+              <a:t>operation in </a:t>
             </a:r>
             <a:r>
               <a:rPr lang="en-US" dirty="0" err="1" smtClean="0"/>
@@ -7676,7 +8150,7 @@
 </p:sld>
 </file>
 
-<file path=ppt/slides/slide15.xml><?xml version="1.0" encoding="utf-8"?>
+<file path=ppt/slides/slide19.xml><?xml version="1.0" encoding="utf-8"?>
 <p:sld xmlns:a="http://schemas.openxmlformats.org/drawingml/2006/main" xmlns:r="http://schemas.openxmlformats.org/officeDocument/2006/relationships" xmlns:p="http://schemas.openxmlformats.org/presentationml/2006/main">
   <p:cSld>
     <p:spTree>
@@ -7764,7 +8238,7 @@
           <p:cNvPr id="5" name="Right Arrow 8">
             <a:extLst>
               <a:ext uri="{FF2B5EF4-FFF2-40B4-BE49-F238E27FC236}">
-                <a16:creationId xmlns:a16="http://schemas.microsoft.com/office/drawing/2014/main" xmlns="" id="{9B6A5C66-3111-42AA-9715-A250ECC26D8A}"/>
+                <a16:creationId xmlns="" xmlns:a16="http://schemas.microsoft.com/office/drawing/2014/main" id="{9B6A5C66-3111-42AA-9715-A250ECC26D8A}"/>
               </a:ext>
             </a:extLst>
           </p:cNvPr>
@@ -7855,7 +8329,7 @@
           <p:cNvPr id="7" name="Right Arrow 8">
             <a:extLst>
               <a:ext uri="{FF2B5EF4-FFF2-40B4-BE49-F238E27FC236}">
-                <a16:creationId xmlns:a16="http://schemas.microsoft.com/office/drawing/2014/main" xmlns="" id="{9B6A5C66-3111-42AA-9715-A250ECC26D8A}"/>
+                <a16:creationId xmlns="" xmlns:a16="http://schemas.microsoft.com/office/drawing/2014/main" id="{9B6A5C66-3111-42AA-9715-A250ECC26D8A}"/>
               </a:ext>
             </a:extLst>
           </p:cNvPr>
@@ -7996,8 +8470,8 @@
           <a:p>
             <a:pPr algn="ctr"/>
             <a:r>
-              <a:rPr lang="en-US" dirty="0" smtClean="0"/>
-              <a:t>Context switch in event loop</a:t>
+              <a:rPr lang="en-US" dirty="0"/>
+              <a:t>Event loop stops current flow, start execute other events</a:t>
             </a:r>
             <a:endParaRPr lang="en-US" dirty="0"/>
           </a:p>
@@ -8008,7 +8482,7 @@
           <p:cNvPr id="10" name="Right Arrow 8">
             <a:extLst>
               <a:ext uri="{FF2B5EF4-FFF2-40B4-BE49-F238E27FC236}">
-                <a16:creationId xmlns:a16="http://schemas.microsoft.com/office/drawing/2014/main" xmlns="" id="{9B6A5C66-3111-42AA-9715-A250ECC26D8A}"/>
+                <a16:creationId xmlns="" xmlns:a16="http://schemas.microsoft.com/office/drawing/2014/main" id="{9B6A5C66-3111-42AA-9715-A250ECC26D8A}"/>
               </a:ext>
             </a:extLst>
           </p:cNvPr>
@@ -8056,7 +8530,7 @@
           <p:cNvPr id="11" name="Right Arrow 8">
             <a:extLst>
               <a:ext uri="{FF2B5EF4-FFF2-40B4-BE49-F238E27FC236}">
-                <a16:creationId xmlns:a16="http://schemas.microsoft.com/office/drawing/2014/main" xmlns="" id="{9B6A5C66-3111-42AA-9715-A250ECC26D8A}"/>
+                <a16:creationId xmlns="" xmlns:a16="http://schemas.microsoft.com/office/drawing/2014/main" id="{9B6A5C66-3111-42AA-9715-A250ECC26D8A}"/>
               </a:ext>
             </a:extLst>
           </p:cNvPr>
@@ -8147,7 +8621,7 @@
           <p:cNvPr id="13" name="Right Arrow 8">
             <a:extLst>
               <a:ext uri="{FF2B5EF4-FFF2-40B4-BE49-F238E27FC236}">
-                <a16:creationId xmlns:a16="http://schemas.microsoft.com/office/drawing/2014/main" xmlns="" id="{9B6A5C66-3111-42AA-9715-A250ECC26D8A}"/>
+                <a16:creationId xmlns="" xmlns:a16="http://schemas.microsoft.com/office/drawing/2014/main" id="{9B6A5C66-3111-42AA-9715-A250ECC26D8A}"/>
               </a:ext>
             </a:extLst>
           </p:cNvPr>
@@ -8238,7 +8712,7 @@
           <p:cNvPr id="15" name="Right Arrow 8">
             <a:extLst>
               <a:ext uri="{FF2B5EF4-FFF2-40B4-BE49-F238E27FC236}">
-                <a16:creationId xmlns:a16="http://schemas.microsoft.com/office/drawing/2014/main" xmlns="" id="{9B6A5C66-3111-42AA-9715-A250ECC26D8A}"/>
+                <a16:creationId xmlns="" xmlns:a16="http://schemas.microsoft.com/office/drawing/2014/main" id="{9B6A5C66-3111-42AA-9715-A250ECC26D8A}"/>
               </a:ext>
             </a:extLst>
           </p:cNvPr>
@@ -8375,7 +8849,7 @@
           <p:cNvPr id="18" name="Right Arrow 8">
             <a:extLst>
               <a:ext uri="{FF2B5EF4-FFF2-40B4-BE49-F238E27FC236}">
-                <a16:creationId xmlns:a16="http://schemas.microsoft.com/office/drawing/2014/main" xmlns="" id="{9B6A5C66-3111-42AA-9715-A250ECC26D8A}"/>
+                <a16:creationId xmlns="" xmlns:a16="http://schemas.microsoft.com/office/drawing/2014/main" id="{9B6A5C66-3111-42AA-9715-A250ECC26D8A}"/>
               </a:ext>
             </a:extLst>
           </p:cNvPr>
@@ -8431,7 +8905,7 @@
 </p:sld>
 </file>
 
-<file path=ppt/slides/slide16.xml><?xml version="1.0" encoding="utf-8"?>
+<file path=ppt/slides/slide2.xml><?xml version="1.0" encoding="utf-8"?>
 <p:sld xmlns:a="http://schemas.openxmlformats.org/drawingml/2006/main" xmlns:r="http://schemas.openxmlformats.org/officeDocument/2006/relationships" xmlns:p="http://schemas.openxmlformats.org/presentationml/2006/main">
   <p:cSld>
     <p:spTree>
@@ -8465,31 +8939,7 @@
           <a:p>
             <a:r>
               <a:rPr lang="en-US" dirty="0" smtClean="0"/>
-              <a:t>Bad Solution – Critical </a:t>
-            </a:r>
-            <a:r>
-              <a:rPr lang="en-US" dirty="0"/>
-              <a:t>C</a:t>
-            </a:r>
-            <a:r>
-              <a:rPr lang="en-US" dirty="0" smtClean="0"/>
-              <a:t>ode </a:t>
-            </a:r>
-            <a:r>
-              <a:rPr lang="en-US" dirty="0"/>
-              <a:t>C</a:t>
-            </a:r>
-            <a:r>
-              <a:rPr lang="en-US" dirty="0" smtClean="0"/>
-              <a:t>ompletely </a:t>
-            </a:r>
-            <a:r>
-              <a:rPr lang="en-US" dirty="0"/>
-              <a:t>S</a:t>
-            </a:r>
-            <a:r>
-              <a:rPr lang="en-US" dirty="0" smtClean="0"/>
-              <a:t>ynchronous</a:t>
+              <a:t>Agenda</a:t>
             </a:r>
             <a:endParaRPr lang="en-US" dirty="0"/>
           </a:p>
@@ -8511,50 +8961,27 @@
           <a:lstStyle/>
           <a:p>
             <a:r>
-              <a:rPr lang="en-US" dirty="0"/>
-              <a:t>M</a:t>
-            </a:r>
-            <a:r>
-              <a:rPr lang="en-US" dirty="0" smtClean="0"/>
-              <a:t>ake the critical code completely synchronous with no I/O operations or timers</a:t>
-            </a:r>
-          </a:p>
-          <a:p>
-            <a:r>
-              <a:rPr lang="en-US" dirty="0" smtClean="0"/>
-              <a:t>This is not a good solution because</a:t>
-            </a:r>
-          </a:p>
-          <a:p>
-            <a:pPr lvl="1"/>
-            <a:r>
-              <a:rPr lang="en-US" dirty="0"/>
-              <a:t>B</a:t>
-            </a:r>
-            <a:r>
-              <a:rPr lang="en-US" dirty="0" smtClean="0"/>
-              <a:t>ad performance – blocking the event loop</a:t>
-            </a:r>
-          </a:p>
-          <a:p>
-            <a:pPr lvl="1"/>
-            <a:r>
-              <a:rPr lang="en-US" dirty="0" smtClean="0"/>
-              <a:t>You would have to use other modules / third party libraries</a:t>
-            </a:r>
-          </a:p>
-          <a:p>
-            <a:pPr lvl="1"/>
-            <a:r>
-              <a:rPr lang="en-US" dirty="0" smtClean="0"/>
-              <a:t>We must implement everything by ourselves – or verify the implementation of all the libraries that we depend on</a:t>
-            </a:r>
-          </a:p>
-          <a:p>
-            <a:pPr lvl="1"/>
-            <a:r>
-              <a:rPr lang="en-US" dirty="0" smtClean="0"/>
-              <a:t>Bottom line - You cannot control the implementation of every code you use </a:t>
+              <a:rPr lang="en-US" dirty="0" smtClean="0"/>
+              <a:t>Why do we have concurrency In Node.js in our servers</a:t>
+            </a:r>
+            <a:endParaRPr lang="he-IL" dirty="0"/>
+          </a:p>
+          <a:p>
+            <a:r>
+              <a:rPr lang="en-US" dirty="0" smtClean="0"/>
+              <a:t>Lazy Initialization</a:t>
+            </a:r>
+          </a:p>
+          <a:p>
+            <a:r>
+              <a:rPr lang="en-US" dirty="0" smtClean="0"/>
+              <a:t>Lock an object shared by multiple asynchronous functions</a:t>
+            </a:r>
+          </a:p>
+          <a:p>
+            <a:r>
+              <a:rPr lang="en-US" dirty="0" smtClean="0"/>
+              <a:t>Update the same object concurrently</a:t>
             </a:r>
             <a:endParaRPr lang="en-US" dirty="0"/>
           </a:p>
@@ -8563,17 +8990,24 @@
     </p:spTree>
     <p:extLst>
       <p:ext uri="{BB962C8B-B14F-4D97-AF65-F5344CB8AC3E}">
-        <p14:creationId xmlns:p14="http://schemas.microsoft.com/office/powerpoint/2010/main" val="3608726362"/>
+        <p14:creationId xmlns:p14="http://schemas.microsoft.com/office/powerpoint/2010/main" val="1790054153"/>
       </p:ext>
     </p:extLst>
   </p:cSld>
   <p:clrMapOvr>
     <a:masterClrMapping/>
   </p:clrMapOvr>
+  <p:timing>
+    <p:tnLst>
+      <p:par>
+        <p:cTn id="1" dur="indefinite" restart="never" nodeType="tmRoot"/>
+      </p:par>
+    </p:tnLst>
+  </p:timing>
 </p:sld>
 </file>
 
-<file path=ppt/slides/slide17.xml><?xml version="1.0" encoding="utf-8"?>
+<file path=ppt/slides/slide20.xml><?xml version="1.0" encoding="utf-8"?>
 <p:sld xmlns:a="http://schemas.openxmlformats.org/drawingml/2006/main" xmlns:r="http://schemas.openxmlformats.org/officeDocument/2006/relationships" xmlns:p="http://schemas.openxmlformats.org/presentationml/2006/main">
   <p:cSld>
     <p:spTree>
@@ -8607,6 +9041,148 @@
           <a:p>
             <a:r>
               <a:rPr lang="en-US" dirty="0" smtClean="0"/>
+              <a:t>Bad Solution – Critical </a:t>
+            </a:r>
+            <a:r>
+              <a:rPr lang="en-US" dirty="0"/>
+              <a:t>C</a:t>
+            </a:r>
+            <a:r>
+              <a:rPr lang="en-US" dirty="0" smtClean="0"/>
+              <a:t>ode </a:t>
+            </a:r>
+            <a:r>
+              <a:rPr lang="en-US" dirty="0"/>
+              <a:t>C</a:t>
+            </a:r>
+            <a:r>
+              <a:rPr lang="en-US" dirty="0" smtClean="0"/>
+              <a:t>ompletely </a:t>
+            </a:r>
+            <a:r>
+              <a:rPr lang="en-US" dirty="0"/>
+              <a:t>S</a:t>
+            </a:r>
+            <a:r>
+              <a:rPr lang="en-US" dirty="0" smtClean="0"/>
+              <a:t>ynchronous</a:t>
+            </a:r>
+            <a:endParaRPr lang="en-US" dirty="0"/>
+          </a:p>
+        </p:txBody>
+      </p:sp>
+      <p:sp>
+        <p:nvSpPr>
+          <p:cNvPr id="3" name="Content Placeholder 2"/>
+          <p:cNvSpPr>
+            <a:spLocks noGrp="1"/>
+          </p:cNvSpPr>
+          <p:nvPr>
+            <p:ph idx="1"/>
+          </p:nvPr>
+        </p:nvSpPr>
+        <p:spPr/>
+        <p:txBody>
+          <a:bodyPr/>
+          <a:lstStyle/>
+          <a:p>
+            <a:r>
+              <a:rPr lang="en-US" dirty="0"/>
+              <a:t>M</a:t>
+            </a:r>
+            <a:r>
+              <a:rPr lang="en-US" dirty="0" smtClean="0"/>
+              <a:t>ake the critical code completely synchronous with no I/O operations or timers</a:t>
+            </a:r>
+          </a:p>
+          <a:p>
+            <a:r>
+              <a:rPr lang="en-US" dirty="0" smtClean="0"/>
+              <a:t>This is not a good solution because</a:t>
+            </a:r>
+          </a:p>
+          <a:p>
+            <a:pPr lvl="1"/>
+            <a:r>
+              <a:rPr lang="en-US" dirty="0"/>
+              <a:t>B</a:t>
+            </a:r>
+            <a:r>
+              <a:rPr lang="en-US" dirty="0" smtClean="0"/>
+              <a:t>ad performance – blocking the event loop</a:t>
+            </a:r>
+          </a:p>
+          <a:p>
+            <a:pPr lvl="1"/>
+            <a:r>
+              <a:rPr lang="en-US" dirty="0" smtClean="0"/>
+              <a:t>You would have to use other modules / third party libraries</a:t>
+            </a:r>
+          </a:p>
+          <a:p>
+            <a:pPr lvl="1"/>
+            <a:r>
+              <a:rPr lang="en-US" dirty="0" smtClean="0"/>
+              <a:t>We must implement everything by ourselves – or verify the implementation of all the libraries that we depend on</a:t>
+            </a:r>
+          </a:p>
+          <a:p>
+            <a:pPr lvl="1"/>
+            <a:r>
+              <a:rPr lang="en-US" dirty="0" smtClean="0"/>
+              <a:t>Bottom line - You cannot control the implementation of every code you use </a:t>
+            </a:r>
+            <a:endParaRPr lang="en-US" dirty="0"/>
+          </a:p>
+        </p:txBody>
+      </p:sp>
+    </p:spTree>
+    <p:extLst>
+      <p:ext uri="{BB962C8B-B14F-4D97-AF65-F5344CB8AC3E}">
+        <p14:creationId xmlns:p14="http://schemas.microsoft.com/office/powerpoint/2010/main" val="3608726362"/>
+      </p:ext>
+    </p:extLst>
+  </p:cSld>
+  <p:clrMapOvr>
+    <a:masterClrMapping/>
+  </p:clrMapOvr>
+</p:sld>
+</file>
+
+<file path=ppt/slides/slide21.xml><?xml version="1.0" encoding="utf-8"?>
+<p:sld xmlns:a="http://schemas.openxmlformats.org/drawingml/2006/main" xmlns:r="http://schemas.openxmlformats.org/officeDocument/2006/relationships" xmlns:p="http://schemas.openxmlformats.org/presentationml/2006/main">
+  <p:cSld>
+    <p:spTree>
+      <p:nvGrpSpPr>
+        <p:cNvPr id="1" name=""/>
+        <p:cNvGrpSpPr/>
+        <p:nvPr/>
+      </p:nvGrpSpPr>
+      <p:grpSpPr>
+        <a:xfrm>
+          <a:off x="0" y="0"/>
+          <a:ext cx="0" cy="0"/>
+          <a:chOff x="0" y="0"/>
+          <a:chExt cx="0" cy="0"/>
+        </a:xfrm>
+      </p:grpSpPr>
+      <p:sp>
+        <p:nvSpPr>
+          <p:cNvPr id="2" name="Title 1"/>
+          <p:cNvSpPr>
+            <a:spLocks noGrp="1"/>
+          </p:cNvSpPr>
+          <p:nvPr>
+            <p:ph type="title"/>
+          </p:nvPr>
+        </p:nvSpPr>
+        <p:spPr/>
+        <p:txBody>
+          <a:bodyPr/>
+          <a:lstStyle/>
+          <a:p>
+            <a:r>
+              <a:rPr lang="en-US" dirty="0" smtClean="0"/>
               <a:t>Solution – Using Promise To Implement Locking</a:t>
             </a:r>
             <a:endParaRPr lang="en-US" dirty="0"/>
@@ -8694,7 +9270,7 @@
 </p:sld>
 </file>
 
-<file path=ppt/slides/slide18.xml><?xml version="1.0" encoding="utf-8"?>
+<file path=ppt/slides/slide22.xml><?xml version="1.0" encoding="utf-8"?>
 <p:sld xmlns:a="http://schemas.openxmlformats.org/drawingml/2006/main" xmlns:r="http://schemas.openxmlformats.org/officeDocument/2006/relationships" xmlns:p="http://schemas.openxmlformats.org/presentationml/2006/main">
   <p:cSld>
     <p:spTree>
@@ -8777,433 +9353,6 @@
 </p:sld>
 </file>
 
-<file path=ppt/slides/slide19.xml><?xml version="1.0" encoding="utf-8"?>
-<p:sld xmlns:a="http://schemas.openxmlformats.org/drawingml/2006/main" xmlns:r="http://schemas.openxmlformats.org/officeDocument/2006/relationships" xmlns:p="http://schemas.openxmlformats.org/presentationml/2006/main">
-  <p:cSld>
-    <p:spTree>
-      <p:nvGrpSpPr>
-        <p:cNvPr id="1" name=""/>
-        <p:cNvGrpSpPr/>
-        <p:nvPr/>
-      </p:nvGrpSpPr>
-      <p:grpSpPr>
-        <a:xfrm>
-          <a:off x="0" y="0"/>
-          <a:ext cx="0" cy="0"/>
-          <a:chOff x="0" y="0"/>
-          <a:chExt cx="0" cy="0"/>
-        </a:xfrm>
-      </p:grpSpPr>
-      <p:sp>
-        <p:nvSpPr>
-          <p:cNvPr id="2" name="Title 1"/>
-          <p:cNvSpPr>
-            <a:spLocks noGrp="1"/>
-          </p:cNvSpPr>
-          <p:nvPr>
-            <p:ph type="title"/>
-          </p:nvPr>
-        </p:nvSpPr>
-        <p:spPr>
-          <a:xfrm>
-            <a:off x="609599" y="2286000"/>
-            <a:ext cx="6347713" cy="1320800"/>
-          </a:xfrm>
-        </p:spPr>
-        <p:txBody>
-          <a:bodyPr/>
-          <a:lstStyle/>
-          <a:p>
-            <a:r>
-              <a:rPr lang="en-US" dirty="0" smtClean="0"/>
-              <a:t>Keep Your Objects Immutable</a:t>
-            </a:r>
-            <a:endParaRPr lang="en-US" dirty="0"/>
-          </a:p>
-        </p:txBody>
-      </p:sp>
-    </p:spTree>
-    <p:extLst>
-      <p:ext uri="{BB962C8B-B14F-4D97-AF65-F5344CB8AC3E}">
-        <p14:creationId xmlns:p14="http://schemas.microsoft.com/office/powerpoint/2010/main" val="3721729211"/>
-      </p:ext>
-    </p:extLst>
-  </p:cSld>
-  <p:clrMapOvr>
-    <a:masterClrMapping/>
-  </p:clrMapOvr>
-</p:sld>
-</file>
-
-<file path=ppt/slides/slide2.xml><?xml version="1.0" encoding="utf-8"?>
-<p:sld xmlns:a="http://schemas.openxmlformats.org/drawingml/2006/main" xmlns:r="http://schemas.openxmlformats.org/officeDocument/2006/relationships" xmlns:p="http://schemas.openxmlformats.org/presentationml/2006/main">
-  <p:cSld>
-    <p:spTree>
-      <p:nvGrpSpPr>
-        <p:cNvPr id="1" name=""/>
-        <p:cNvGrpSpPr/>
-        <p:nvPr/>
-      </p:nvGrpSpPr>
-      <p:grpSpPr>
-        <a:xfrm>
-          <a:off x="0" y="0"/>
-          <a:ext cx="0" cy="0"/>
-          <a:chOff x="0" y="0"/>
-          <a:chExt cx="0" cy="0"/>
-        </a:xfrm>
-      </p:grpSpPr>
-      <p:sp>
-        <p:nvSpPr>
-          <p:cNvPr id="2" name="Title 1"/>
-          <p:cNvSpPr>
-            <a:spLocks noGrp="1"/>
-          </p:cNvSpPr>
-          <p:nvPr>
-            <p:ph type="title"/>
-          </p:nvPr>
-        </p:nvSpPr>
-        <p:spPr/>
-        <p:txBody>
-          <a:bodyPr/>
-          <a:lstStyle/>
-          <a:p>
-            <a:r>
-              <a:rPr lang="en-US" dirty="0" smtClean="0"/>
-              <a:t>Agenda</a:t>
-            </a:r>
-            <a:endParaRPr lang="en-US" dirty="0"/>
-          </a:p>
-        </p:txBody>
-      </p:sp>
-      <p:sp>
-        <p:nvSpPr>
-          <p:cNvPr id="3" name="Content Placeholder 2"/>
-          <p:cNvSpPr>
-            <a:spLocks noGrp="1"/>
-          </p:cNvSpPr>
-          <p:nvPr>
-            <p:ph idx="1"/>
-          </p:nvPr>
-        </p:nvSpPr>
-        <p:spPr/>
-        <p:txBody>
-          <a:bodyPr/>
-          <a:lstStyle/>
-          <a:p>
-            <a:r>
-              <a:rPr lang="en-US" dirty="0" smtClean="0"/>
-              <a:t>Why do we have concurrency In Node.js in our servers</a:t>
-            </a:r>
-            <a:endParaRPr lang="he-IL" dirty="0"/>
-          </a:p>
-          <a:p>
-            <a:r>
-              <a:rPr lang="en-US" dirty="0" smtClean="0"/>
-              <a:t>Lazy Initialization</a:t>
-            </a:r>
-          </a:p>
-          <a:p>
-            <a:r>
-              <a:rPr lang="en-US" dirty="0" smtClean="0"/>
-              <a:t>Lock an object shared by multiple asynchronous functions</a:t>
-            </a:r>
-          </a:p>
-          <a:p>
-            <a:r>
-              <a:rPr lang="en-US" dirty="0" smtClean="0"/>
-              <a:t>Update the same object concurrently</a:t>
-            </a:r>
-            <a:endParaRPr lang="en-US" dirty="0"/>
-          </a:p>
-        </p:txBody>
-      </p:sp>
-    </p:spTree>
-    <p:extLst>
-      <p:ext uri="{BB962C8B-B14F-4D97-AF65-F5344CB8AC3E}">
-        <p14:creationId xmlns:p14="http://schemas.microsoft.com/office/powerpoint/2010/main" val="1790054153"/>
-      </p:ext>
-    </p:extLst>
-  </p:cSld>
-  <p:clrMapOvr>
-    <a:masterClrMapping/>
-  </p:clrMapOvr>
-  <p:timing>
-    <p:tnLst>
-      <p:par>
-        <p:cTn id="1" dur="indefinite" restart="never" nodeType="tmRoot"/>
-      </p:par>
-    </p:tnLst>
-  </p:timing>
-</p:sld>
-</file>
-
-<file path=ppt/slides/slide20.xml><?xml version="1.0" encoding="utf-8"?>
-<p:sld xmlns:a="http://schemas.openxmlformats.org/drawingml/2006/main" xmlns:r="http://schemas.openxmlformats.org/officeDocument/2006/relationships" xmlns:p="http://schemas.openxmlformats.org/presentationml/2006/main">
-  <p:cSld>
-    <p:spTree>
-      <p:nvGrpSpPr>
-        <p:cNvPr id="1" name=""/>
-        <p:cNvGrpSpPr/>
-        <p:nvPr/>
-      </p:nvGrpSpPr>
-      <p:grpSpPr>
-        <a:xfrm>
-          <a:off x="0" y="0"/>
-          <a:ext cx="0" cy="0"/>
-          <a:chOff x="0" y="0"/>
-          <a:chExt cx="0" cy="0"/>
-        </a:xfrm>
-      </p:grpSpPr>
-      <p:sp>
-        <p:nvSpPr>
-          <p:cNvPr id="2" name="Title 1"/>
-          <p:cNvSpPr>
-            <a:spLocks noGrp="1"/>
-          </p:cNvSpPr>
-          <p:nvPr>
-            <p:ph type="title"/>
-          </p:nvPr>
-        </p:nvSpPr>
-        <p:spPr/>
-        <p:txBody>
-          <a:bodyPr/>
-          <a:lstStyle/>
-          <a:p>
-            <a:r>
-              <a:rPr lang="en-US" dirty="0" smtClean="0"/>
-              <a:t>JavaScript Objects Immutability</a:t>
-            </a:r>
-            <a:endParaRPr lang="en-US" dirty="0"/>
-          </a:p>
-        </p:txBody>
-      </p:sp>
-      <p:sp>
-        <p:nvSpPr>
-          <p:cNvPr id="3" name="Content Placeholder 2"/>
-          <p:cNvSpPr>
-            <a:spLocks noGrp="1"/>
-          </p:cNvSpPr>
-          <p:nvPr>
-            <p:ph idx="1"/>
-          </p:nvPr>
-        </p:nvSpPr>
-        <p:spPr/>
-        <p:txBody>
-          <a:bodyPr/>
-          <a:lstStyle/>
-          <a:p>
-            <a:r>
-              <a:rPr lang="en-US" dirty="0" smtClean="0"/>
-              <a:t>Immutability is a general pattern for concurrency</a:t>
-            </a:r>
-          </a:p>
-          <a:p>
-            <a:r>
-              <a:rPr lang="en-US" dirty="0" smtClean="0"/>
-              <a:t> Nobody can change immutable objects</a:t>
-            </a:r>
-          </a:p>
-          <a:p>
-            <a:r>
-              <a:rPr lang="en-US" dirty="0" smtClean="0"/>
-              <a:t>Simplest approach - deep clone the return object.</a:t>
-            </a:r>
-          </a:p>
-          <a:p>
-            <a:r>
-              <a:rPr lang="en-US" dirty="0" smtClean="0"/>
-              <a:t>When all the consumers will receive a clone of the object they will not be able to change the original objects </a:t>
-            </a:r>
-          </a:p>
-          <a:p>
-            <a:r>
-              <a:rPr lang="en-US" dirty="0"/>
-              <a:t>O</a:t>
-            </a:r>
-            <a:r>
-              <a:rPr lang="en-US" dirty="0" smtClean="0"/>
-              <a:t>bjects will be concurrently safe.</a:t>
-            </a:r>
-          </a:p>
-          <a:p>
-            <a:r>
-              <a:rPr lang="en-US" dirty="0"/>
-              <a:t>M</a:t>
-            </a:r>
-            <a:r>
-              <a:rPr lang="en-US" dirty="0" smtClean="0"/>
-              <a:t>ust do in the cache implementation we discussed</a:t>
-            </a:r>
-            <a:endParaRPr lang="en-US" dirty="0"/>
-          </a:p>
-        </p:txBody>
-      </p:sp>
-    </p:spTree>
-    <p:extLst>
-      <p:ext uri="{BB962C8B-B14F-4D97-AF65-F5344CB8AC3E}">
-        <p14:creationId xmlns:p14="http://schemas.microsoft.com/office/powerpoint/2010/main" val="1593985647"/>
-      </p:ext>
-    </p:extLst>
-  </p:cSld>
-  <p:clrMapOvr>
-    <a:masterClrMapping/>
-  </p:clrMapOvr>
-</p:sld>
-</file>
-
-<file path=ppt/slides/slide21.xml><?xml version="1.0" encoding="utf-8"?>
-<p:sld xmlns:a="http://schemas.openxmlformats.org/drawingml/2006/main" xmlns:r="http://schemas.openxmlformats.org/officeDocument/2006/relationships" xmlns:p="http://schemas.openxmlformats.org/presentationml/2006/main">
-  <p:cSld>
-    <p:spTree>
-      <p:nvGrpSpPr>
-        <p:cNvPr id="1" name=""/>
-        <p:cNvGrpSpPr/>
-        <p:nvPr/>
-      </p:nvGrpSpPr>
-      <p:grpSpPr>
-        <a:xfrm>
-          <a:off x="0" y="0"/>
-          <a:ext cx="0" cy="0"/>
-          <a:chOff x="0" y="0"/>
-          <a:chExt cx="0" cy="0"/>
-        </a:xfrm>
-      </p:grpSpPr>
-      <p:sp>
-        <p:nvSpPr>
-          <p:cNvPr id="2" name="Title 1"/>
-          <p:cNvSpPr>
-            <a:spLocks noGrp="1"/>
-          </p:cNvSpPr>
-          <p:nvPr>
-            <p:ph type="title"/>
-          </p:nvPr>
-        </p:nvSpPr>
-        <p:spPr/>
-        <p:txBody>
-          <a:bodyPr/>
-          <a:lstStyle/>
-          <a:p>
-            <a:r>
-              <a:rPr lang="en-US" dirty="0" smtClean="0"/>
-              <a:t>Cloning objects in JavaScript</a:t>
-            </a:r>
-            <a:endParaRPr lang="en-US" dirty="0"/>
-          </a:p>
-        </p:txBody>
-      </p:sp>
-      <p:sp>
-        <p:nvSpPr>
-          <p:cNvPr id="3" name="Content Placeholder 2"/>
-          <p:cNvSpPr>
-            <a:spLocks noGrp="1"/>
-          </p:cNvSpPr>
-          <p:nvPr>
-            <p:ph idx="1"/>
-          </p:nvPr>
-        </p:nvSpPr>
-        <p:spPr/>
-        <p:txBody>
-          <a:bodyPr/>
-          <a:lstStyle/>
-          <a:p>
-            <a:r>
-              <a:rPr lang="en-US" dirty="0" err="1" smtClean="0"/>
-              <a:t>Json.Stringify</a:t>
-            </a:r>
-            <a:endParaRPr lang="en-US" dirty="0" smtClean="0"/>
-          </a:p>
-          <a:p>
-            <a:r>
-              <a:rPr lang="en-US" dirty="0" err="1" smtClean="0"/>
-              <a:t>Loadash</a:t>
-            </a:r>
-            <a:r>
-              <a:rPr lang="en-US" dirty="0" smtClean="0"/>
-              <a:t> provides deep object cloning</a:t>
-            </a:r>
-          </a:p>
-          <a:p>
-            <a:r>
-              <a:rPr lang="en-US" dirty="0" smtClean="0"/>
-              <a:t>And more …</a:t>
-            </a:r>
-            <a:endParaRPr lang="en-US" dirty="0"/>
-          </a:p>
-        </p:txBody>
-      </p:sp>
-    </p:spTree>
-    <p:extLst>
-      <p:ext uri="{BB962C8B-B14F-4D97-AF65-F5344CB8AC3E}">
-        <p14:creationId xmlns:p14="http://schemas.microsoft.com/office/powerpoint/2010/main" val="1209929896"/>
-      </p:ext>
-    </p:extLst>
-  </p:cSld>
-  <p:clrMapOvr>
-    <a:masterClrMapping/>
-  </p:clrMapOvr>
-</p:sld>
-</file>
-
-<file path=ppt/slides/slide22.xml><?xml version="1.0" encoding="utf-8"?>
-<p:sld xmlns:a="http://schemas.openxmlformats.org/drawingml/2006/main" xmlns:r="http://schemas.openxmlformats.org/officeDocument/2006/relationships" xmlns:p="http://schemas.openxmlformats.org/presentationml/2006/main">
-  <p:cSld>
-    <p:spTree>
-      <p:nvGrpSpPr>
-        <p:cNvPr id="1" name=""/>
-        <p:cNvGrpSpPr/>
-        <p:nvPr/>
-      </p:nvGrpSpPr>
-      <p:grpSpPr>
-        <a:xfrm>
-          <a:off x="0" y="0"/>
-          <a:ext cx="0" cy="0"/>
-          <a:chOff x="0" y="0"/>
-          <a:chExt cx="0" cy="0"/>
-        </a:xfrm>
-      </p:grpSpPr>
-      <p:sp>
-        <p:nvSpPr>
-          <p:cNvPr id="2" name="Title 1"/>
-          <p:cNvSpPr>
-            <a:spLocks noGrp="1"/>
-          </p:cNvSpPr>
-          <p:nvPr>
-            <p:ph type="title"/>
-          </p:nvPr>
-        </p:nvSpPr>
-        <p:spPr>
-          <a:xfrm>
-            <a:off x="609599" y="2717800"/>
-            <a:ext cx="6347713" cy="1320800"/>
-          </a:xfrm>
-        </p:spPr>
-        <p:txBody>
-          <a:bodyPr>
-            <a:normAutofit fontScale="90000"/>
-          </a:bodyPr>
-          <a:lstStyle/>
-          <a:p>
-            <a:r>
-              <a:rPr lang="en-US" dirty="0" smtClean="0"/>
-              <a:t>Lock An Object Shared By Multiple Asynchronous Functions</a:t>
-            </a:r>
-            <a:endParaRPr lang="en-US" dirty="0"/>
-          </a:p>
-        </p:txBody>
-      </p:sp>
-    </p:spTree>
-    <p:extLst>
-      <p:ext uri="{BB962C8B-B14F-4D97-AF65-F5344CB8AC3E}">
-        <p14:creationId xmlns:p14="http://schemas.microsoft.com/office/powerpoint/2010/main" val="1723200146"/>
-      </p:ext>
-    </p:extLst>
-  </p:cSld>
-  <p:clrMapOvr>
-    <a:masterClrMapping/>
-  </p:clrMapOvr>
-</p:sld>
-</file>
-
 <file path=ppt/slides/slide23.xml><?xml version="1.0" encoding="utf-8"?>
 <p:sld xmlns:a="http://schemas.openxmlformats.org/drawingml/2006/main" xmlns:r="http://schemas.openxmlformats.org/officeDocument/2006/relationships" xmlns:p="http://schemas.openxmlformats.org/presentationml/2006/main">
   <p:cSld>
@@ -9231,6 +9380,331 @@
             <p:ph type="title"/>
           </p:nvPr>
         </p:nvSpPr>
+        <p:spPr>
+          <a:xfrm>
+            <a:off x="609599" y="2286000"/>
+            <a:ext cx="6347713" cy="1320800"/>
+          </a:xfrm>
+        </p:spPr>
+        <p:txBody>
+          <a:bodyPr/>
+          <a:lstStyle/>
+          <a:p>
+            <a:r>
+              <a:rPr lang="en-US" dirty="0" smtClean="0"/>
+              <a:t>Keep Your Objects Immutable</a:t>
+            </a:r>
+            <a:endParaRPr lang="en-US" dirty="0"/>
+          </a:p>
+        </p:txBody>
+      </p:sp>
+    </p:spTree>
+    <p:extLst>
+      <p:ext uri="{BB962C8B-B14F-4D97-AF65-F5344CB8AC3E}">
+        <p14:creationId xmlns:p14="http://schemas.microsoft.com/office/powerpoint/2010/main" val="3721729211"/>
+      </p:ext>
+    </p:extLst>
+  </p:cSld>
+  <p:clrMapOvr>
+    <a:masterClrMapping/>
+  </p:clrMapOvr>
+</p:sld>
+</file>
+
+<file path=ppt/slides/slide24.xml><?xml version="1.0" encoding="utf-8"?>
+<p:sld xmlns:a="http://schemas.openxmlformats.org/drawingml/2006/main" xmlns:r="http://schemas.openxmlformats.org/officeDocument/2006/relationships" xmlns:p="http://schemas.openxmlformats.org/presentationml/2006/main">
+  <p:cSld>
+    <p:spTree>
+      <p:nvGrpSpPr>
+        <p:cNvPr id="1" name=""/>
+        <p:cNvGrpSpPr/>
+        <p:nvPr/>
+      </p:nvGrpSpPr>
+      <p:grpSpPr>
+        <a:xfrm>
+          <a:off x="0" y="0"/>
+          <a:ext cx="0" cy="0"/>
+          <a:chOff x="0" y="0"/>
+          <a:chExt cx="0" cy="0"/>
+        </a:xfrm>
+      </p:grpSpPr>
+      <p:sp>
+        <p:nvSpPr>
+          <p:cNvPr id="2" name="Title 1"/>
+          <p:cNvSpPr>
+            <a:spLocks noGrp="1"/>
+          </p:cNvSpPr>
+          <p:nvPr>
+            <p:ph type="title"/>
+          </p:nvPr>
+        </p:nvSpPr>
+        <p:spPr/>
+        <p:txBody>
+          <a:bodyPr/>
+          <a:lstStyle/>
+          <a:p>
+            <a:r>
+              <a:rPr lang="en-US" dirty="0" smtClean="0"/>
+              <a:t>JavaScript Objects Immutability</a:t>
+            </a:r>
+            <a:endParaRPr lang="en-US" dirty="0"/>
+          </a:p>
+        </p:txBody>
+      </p:sp>
+      <p:sp>
+        <p:nvSpPr>
+          <p:cNvPr id="3" name="Content Placeholder 2"/>
+          <p:cNvSpPr>
+            <a:spLocks noGrp="1"/>
+          </p:cNvSpPr>
+          <p:nvPr>
+            <p:ph idx="1"/>
+          </p:nvPr>
+        </p:nvSpPr>
+        <p:spPr/>
+        <p:txBody>
+          <a:bodyPr/>
+          <a:lstStyle/>
+          <a:p>
+            <a:r>
+              <a:rPr lang="en-US" dirty="0" smtClean="0"/>
+              <a:t>Immutability is a general pattern for concurrency</a:t>
+            </a:r>
+          </a:p>
+          <a:p>
+            <a:r>
+              <a:rPr lang="en-US" dirty="0" smtClean="0"/>
+              <a:t> Nobody can change immutable objects</a:t>
+            </a:r>
+          </a:p>
+          <a:p>
+            <a:r>
+              <a:rPr lang="en-US" dirty="0" smtClean="0"/>
+              <a:t>Simplest approach - deep clone the return object.</a:t>
+            </a:r>
+          </a:p>
+          <a:p>
+            <a:r>
+              <a:rPr lang="en-US" dirty="0" smtClean="0"/>
+              <a:t>When all the consumers will receive a clone of the object they will not be able to change the original objects </a:t>
+            </a:r>
+          </a:p>
+          <a:p>
+            <a:r>
+              <a:rPr lang="en-US" dirty="0"/>
+              <a:t>O</a:t>
+            </a:r>
+            <a:r>
+              <a:rPr lang="en-US" dirty="0" smtClean="0"/>
+              <a:t>bjects will be concurrently safe.</a:t>
+            </a:r>
+          </a:p>
+          <a:p>
+            <a:r>
+              <a:rPr lang="en-US" dirty="0"/>
+              <a:t>M</a:t>
+            </a:r>
+            <a:r>
+              <a:rPr lang="en-US" dirty="0" smtClean="0"/>
+              <a:t>ust do in the cache implementation we discussed</a:t>
+            </a:r>
+            <a:endParaRPr lang="en-US" dirty="0"/>
+          </a:p>
+        </p:txBody>
+      </p:sp>
+    </p:spTree>
+    <p:extLst>
+      <p:ext uri="{BB962C8B-B14F-4D97-AF65-F5344CB8AC3E}">
+        <p14:creationId xmlns:p14="http://schemas.microsoft.com/office/powerpoint/2010/main" val="1593985647"/>
+      </p:ext>
+    </p:extLst>
+  </p:cSld>
+  <p:clrMapOvr>
+    <a:masterClrMapping/>
+  </p:clrMapOvr>
+</p:sld>
+</file>
+
+<file path=ppt/slides/slide25.xml><?xml version="1.0" encoding="utf-8"?>
+<p:sld xmlns:a="http://schemas.openxmlformats.org/drawingml/2006/main" xmlns:r="http://schemas.openxmlformats.org/officeDocument/2006/relationships" xmlns:p="http://schemas.openxmlformats.org/presentationml/2006/main">
+  <p:cSld>
+    <p:spTree>
+      <p:nvGrpSpPr>
+        <p:cNvPr id="1" name=""/>
+        <p:cNvGrpSpPr/>
+        <p:nvPr/>
+      </p:nvGrpSpPr>
+      <p:grpSpPr>
+        <a:xfrm>
+          <a:off x="0" y="0"/>
+          <a:ext cx="0" cy="0"/>
+          <a:chOff x="0" y="0"/>
+          <a:chExt cx="0" cy="0"/>
+        </a:xfrm>
+      </p:grpSpPr>
+      <p:sp>
+        <p:nvSpPr>
+          <p:cNvPr id="2" name="Title 1"/>
+          <p:cNvSpPr>
+            <a:spLocks noGrp="1"/>
+          </p:cNvSpPr>
+          <p:nvPr>
+            <p:ph type="title"/>
+          </p:nvPr>
+        </p:nvSpPr>
+        <p:spPr/>
+        <p:txBody>
+          <a:bodyPr/>
+          <a:lstStyle/>
+          <a:p>
+            <a:r>
+              <a:rPr lang="en-US" dirty="0" smtClean="0"/>
+              <a:t>Cloning objects in JavaScript</a:t>
+            </a:r>
+            <a:endParaRPr lang="en-US" dirty="0"/>
+          </a:p>
+        </p:txBody>
+      </p:sp>
+      <p:sp>
+        <p:nvSpPr>
+          <p:cNvPr id="3" name="Content Placeholder 2"/>
+          <p:cNvSpPr>
+            <a:spLocks noGrp="1"/>
+          </p:cNvSpPr>
+          <p:nvPr>
+            <p:ph idx="1"/>
+          </p:nvPr>
+        </p:nvSpPr>
+        <p:spPr/>
+        <p:txBody>
+          <a:bodyPr/>
+          <a:lstStyle/>
+          <a:p>
+            <a:r>
+              <a:rPr lang="en-US" dirty="0" err="1" smtClean="0"/>
+              <a:t>Json.Stringify</a:t>
+            </a:r>
+            <a:endParaRPr lang="en-US" dirty="0" smtClean="0"/>
+          </a:p>
+          <a:p>
+            <a:r>
+              <a:rPr lang="en-US" dirty="0" err="1" smtClean="0"/>
+              <a:t>Loadash</a:t>
+            </a:r>
+            <a:r>
+              <a:rPr lang="en-US" dirty="0" smtClean="0"/>
+              <a:t> provides deep object cloning</a:t>
+            </a:r>
+          </a:p>
+          <a:p>
+            <a:r>
+              <a:rPr lang="en-US" dirty="0" smtClean="0"/>
+              <a:t>And more …</a:t>
+            </a:r>
+            <a:endParaRPr lang="en-US" dirty="0"/>
+          </a:p>
+        </p:txBody>
+      </p:sp>
+    </p:spTree>
+    <p:extLst>
+      <p:ext uri="{BB962C8B-B14F-4D97-AF65-F5344CB8AC3E}">
+        <p14:creationId xmlns:p14="http://schemas.microsoft.com/office/powerpoint/2010/main" val="1209929896"/>
+      </p:ext>
+    </p:extLst>
+  </p:cSld>
+  <p:clrMapOvr>
+    <a:masterClrMapping/>
+  </p:clrMapOvr>
+</p:sld>
+</file>
+
+<file path=ppt/slides/slide26.xml><?xml version="1.0" encoding="utf-8"?>
+<p:sld xmlns:a="http://schemas.openxmlformats.org/drawingml/2006/main" xmlns:r="http://schemas.openxmlformats.org/officeDocument/2006/relationships" xmlns:p="http://schemas.openxmlformats.org/presentationml/2006/main">
+  <p:cSld>
+    <p:spTree>
+      <p:nvGrpSpPr>
+        <p:cNvPr id="1" name=""/>
+        <p:cNvGrpSpPr/>
+        <p:nvPr/>
+      </p:nvGrpSpPr>
+      <p:grpSpPr>
+        <a:xfrm>
+          <a:off x="0" y="0"/>
+          <a:ext cx="0" cy="0"/>
+          <a:chOff x="0" y="0"/>
+          <a:chExt cx="0" cy="0"/>
+        </a:xfrm>
+      </p:grpSpPr>
+      <p:sp>
+        <p:nvSpPr>
+          <p:cNvPr id="2" name="Title 1"/>
+          <p:cNvSpPr>
+            <a:spLocks noGrp="1"/>
+          </p:cNvSpPr>
+          <p:nvPr>
+            <p:ph type="title"/>
+          </p:nvPr>
+        </p:nvSpPr>
+        <p:spPr>
+          <a:xfrm>
+            <a:off x="609599" y="2717800"/>
+            <a:ext cx="6347713" cy="1320800"/>
+          </a:xfrm>
+        </p:spPr>
+        <p:txBody>
+          <a:bodyPr>
+            <a:normAutofit fontScale="90000"/>
+          </a:bodyPr>
+          <a:lstStyle/>
+          <a:p>
+            <a:r>
+              <a:rPr lang="en-US" dirty="0" smtClean="0"/>
+              <a:t>Lock An Object Shared By Multiple Asynchronous Functions</a:t>
+            </a:r>
+            <a:endParaRPr lang="en-US" dirty="0"/>
+          </a:p>
+        </p:txBody>
+      </p:sp>
+    </p:spTree>
+    <p:extLst>
+      <p:ext uri="{BB962C8B-B14F-4D97-AF65-F5344CB8AC3E}">
+        <p14:creationId xmlns:p14="http://schemas.microsoft.com/office/powerpoint/2010/main" val="1723200146"/>
+      </p:ext>
+    </p:extLst>
+  </p:cSld>
+  <p:clrMapOvr>
+    <a:masterClrMapping/>
+  </p:clrMapOvr>
+</p:sld>
+</file>
+
+<file path=ppt/slides/slide27.xml><?xml version="1.0" encoding="utf-8"?>
+<p:sld xmlns:a="http://schemas.openxmlformats.org/drawingml/2006/main" xmlns:r="http://schemas.openxmlformats.org/officeDocument/2006/relationships" xmlns:p="http://schemas.openxmlformats.org/presentationml/2006/main">
+  <p:cSld>
+    <p:spTree>
+      <p:nvGrpSpPr>
+        <p:cNvPr id="1" name=""/>
+        <p:cNvGrpSpPr/>
+        <p:nvPr/>
+      </p:nvGrpSpPr>
+      <p:grpSpPr>
+        <a:xfrm>
+          <a:off x="0" y="0"/>
+          <a:ext cx="0" cy="0"/>
+          <a:chOff x="0" y="0"/>
+          <a:chExt cx="0" cy="0"/>
+        </a:xfrm>
+      </p:grpSpPr>
+      <p:sp>
+        <p:nvSpPr>
+          <p:cNvPr id="2" name="Title 1"/>
+          <p:cNvSpPr>
+            <a:spLocks noGrp="1"/>
+          </p:cNvSpPr>
+          <p:nvPr>
+            <p:ph type="title"/>
+          </p:nvPr>
+        </p:nvSpPr>
         <p:spPr/>
         <p:txBody>
           <a:bodyPr/>
@@ -9331,7 +9805,7 @@
 </p:sld>
 </file>
 
-<file path=ppt/slides/slide24.xml><?xml version="1.0" encoding="utf-8"?>
+<file path=ppt/slides/slide28.xml><?xml version="1.0" encoding="utf-8"?>
 <p:sld xmlns:a="http://schemas.openxmlformats.org/drawingml/2006/main" xmlns:r="http://schemas.openxmlformats.org/officeDocument/2006/relationships" xmlns:p="http://schemas.openxmlformats.org/presentationml/2006/main">
   <p:cSld>
     <p:spTree>
@@ -9656,7 +10130,7 @@
 </p:sld>
 </file>
 
-<file path=ppt/slides/slide25.xml><?xml version="1.0" encoding="utf-8"?>
+<file path=ppt/slides/slide29.xml><?xml version="1.0" encoding="utf-8"?>
 <p:sld xmlns:a="http://schemas.openxmlformats.org/drawingml/2006/main" xmlns:r="http://schemas.openxmlformats.org/officeDocument/2006/relationships" xmlns:p="http://schemas.openxmlformats.org/presentationml/2006/main">
   <p:cSld>
     <p:spTree>
@@ -9800,7 +10274,7 @@
 </p:sld>
 </file>
 
-<file path=ppt/slides/slide26.xml><?xml version="1.0" encoding="utf-8"?>
+<file path=ppt/slides/slide3.xml><?xml version="1.0" encoding="utf-8"?>
 <p:sld xmlns:a="http://schemas.openxmlformats.org/drawingml/2006/main" xmlns:r="http://schemas.openxmlformats.org/officeDocument/2006/relationships" xmlns:p="http://schemas.openxmlformats.org/presentationml/2006/main">
   <p:cSld>
     <p:spTree>
@@ -9835,8 +10309,12 @@
           <a:lstStyle/>
           <a:p>
             <a:r>
-              <a:rPr lang="en-US" dirty="0" smtClean="0"/>
-              <a:t>Lock Object Between Asynchronous Functions</a:t>
+              <a:rPr lang="en-US" dirty="0"/>
+              <a:t>Node.js </a:t>
+            </a:r>
+            <a:r>
+              <a:rPr lang="en-US" dirty="0" smtClean="0"/>
+              <a:t>- No Concurrency In Theory</a:t>
             </a:r>
             <a:endParaRPr lang="en-US" dirty="0"/>
           </a:p>
@@ -9858,8 +10336,125 @@
           <a:lstStyle/>
           <a:p>
             <a:r>
-              <a:rPr lang="en-US" dirty="0" smtClean="0"/>
-              <a:t>Maintain a version to the object on application layer</a:t>
+              <a:rPr lang="en-US" dirty="0"/>
+              <a:t>On </a:t>
+            </a:r>
+            <a:r>
+              <a:rPr lang="en-US" dirty="0" smtClean="0"/>
+              <a:t>theory , Node.js </a:t>
+            </a:r>
+            <a:r>
+              <a:rPr lang="en-US" dirty="0"/>
+              <a:t>should not have concurrency </a:t>
+            </a:r>
+            <a:r>
+              <a:rPr lang="en-US" dirty="0" smtClean="0"/>
+              <a:t>problems</a:t>
+            </a:r>
+          </a:p>
+          <a:p>
+            <a:r>
+              <a:rPr lang="en-US" dirty="0" smtClean="0"/>
+              <a:t>Single </a:t>
+            </a:r>
+            <a:r>
+              <a:rPr lang="en-US" dirty="0"/>
+              <a:t>threaded with event </a:t>
+            </a:r>
+            <a:r>
+              <a:rPr lang="en-US" dirty="0" smtClean="0"/>
+              <a:t>loop</a:t>
+            </a:r>
+          </a:p>
+          <a:p>
+            <a:r>
+              <a:rPr lang="en-US" dirty="0" smtClean="0"/>
+              <a:t>Code Never interrupted inside the event loop</a:t>
+            </a:r>
+          </a:p>
+        </p:txBody>
+      </p:sp>
+    </p:spTree>
+    <p:extLst>
+      <p:ext uri="{BB962C8B-B14F-4D97-AF65-F5344CB8AC3E}">
+        <p14:creationId xmlns:p14="http://schemas.microsoft.com/office/powerpoint/2010/main" val="2886122911"/>
+      </p:ext>
+    </p:extLst>
+  </p:cSld>
+  <p:clrMapOvr>
+    <a:masterClrMapping/>
+  </p:clrMapOvr>
+</p:sld>
+</file>
+
+<file path=ppt/slides/slide30.xml><?xml version="1.0" encoding="utf-8"?>
+<p:sld xmlns:a="http://schemas.openxmlformats.org/drawingml/2006/main" xmlns:r="http://schemas.openxmlformats.org/officeDocument/2006/relationships" xmlns:p="http://schemas.openxmlformats.org/presentationml/2006/main">
+  <p:cSld>
+    <p:spTree>
+      <p:nvGrpSpPr>
+        <p:cNvPr id="1" name=""/>
+        <p:cNvGrpSpPr/>
+        <p:nvPr/>
+      </p:nvGrpSpPr>
+      <p:grpSpPr>
+        <a:xfrm>
+          <a:off x="0" y="0"/>
+          <a:ext cx="0" cy="0"/>
+          <a:chOff x="0" y="0"/>
+          <a:chExt cx="0" cy="0"/>
+        </a:xfrm>
+      </p:grpSpPr>
+      <p:sp>
+        <p:nvSpPr>
+          <p:cNvPr id="2" name="Title 1"/>
+          <p:cNvSpPr>
+            <a:spLocks noGrp="1"/>
+          </p:cNvSpPr>
+          <p:nvPr>
+            <p:ph type="title"/>
+          </p:nvPr>
+        </p:nvSpPr>
+        <p:spPr/>
+        <p:txBody>
+          <a:bodyPr>
+            <a:normAutofit fontScale="90000"/>
+          </a:bodyPr>
+          <a:lstStyle/>
+          <a:p>
+            <a:r>
+              <a:rPr lang="en-US" dirty="0" smtClean="0"/>
+              <a:t>Possible Solution - Lock </a:t>
+            </a:r>
+            <a:r>
+              <a:rPr lang="en-US" dirty="0" smtClean="0"/>
+              <a:t>Object Between Asynchronous Functions</a:t>
+            </a:r>
+            <a:endParaRPr lang="en-US" dirty="0"/>
+          </a:p>
+        </p:txBody>
+      </p:sp>
+      <p:sp>
+        <p:nvSpPr>
+          <p:cNvPr id="3" name="Content Placeholder 2"/>
+          <p:cNvSpPr>
+            <a:spLocks noGrp="1"/>
+          </p:cNvSpPr>
+          <p:nvPr>
+            <p:ph idx="1"/>
+          </p:nvPr>
+        </p:nvSpPr>
+        <p:spPr/>
+        <p:txBody>
+          <a:bodyPr/>
+          <a:lstStyle/>
+          <a:p>
+            <a:r>
+              <a:rPr lang="en-US" dirty="0" smtClean="0"/>
+              <a:t>Maintain </a:t>
+            </a:r>
+            <a:r>
+              <a:rPr lang="en-US" dirty="0" smtClean="0"/>
+              <a:t>a version to the object on application layer</a:t>
             </a:r>
           </a:p>
           <a:p>
@@ -9904,7 +10499,7 @@
 </p:sld>
 </file>
 
-<file path=ppt/slides/slide27.xml><?xml version="1.0" encoding="utf-8"?>
+<file path=ppt/slides/slide31.xml><?xml version="1.0" encoding="utf-8"?>
 <p:sld xmlns:a="http://schemas.openxmlformats.org/drawingml/2006/main" xmlns:r="http://schemas.openxmlformats.org/officeDocument/2006/relationships" xmlns:p="http://schemas.openxmlformats.org/presentationml/2006/main">
   <p:cSld>
     <p:spTree>
@@ -10037,7 +10632,7 @@
 </p:sld>
 </file>
 
-<file path=ppt/slides/slide28.xml><?xml version="1.0" encoding="utf-8"?>
+<file path=ppt/slides/slide32.xml><?xml version="1.0" encoding="utf-8"?>
 <p:sld xmlns:a="http://schemas.openxmlformats.org/drawingml/2006/main" xmlns:r="http://schemas.openxmlformats.org/officeDocument/2006/relationships" xmlns:p="http://schemas.openxmlformats.org/presentationml/2006/main">
   <p:cSld>
     <p:spTree>
@@ -10135,7 +10730,7 @@
 </p:sld>
 </file>
 
-<file path=ppt/slides/slide29.xml><?xml version="1.0" encoding="utf-8"?>
+<file path=ppt/slides/slide33.xml><?xml version="1.0" encoding="utf-8"?>
 <p:sld xmlns:a="http://schemas.openxmlformats.org/drawingml/2006/main" xmlns:r="http://schemas.openxmlformats.org/officeDocument/2006/relationships" xmlns:p="http://schemas.openxmlformats.org/presentationml/2006/main">
   <p:cSld>
     <p:spTree>
@@ -10193,120 +10788,7 @@
 </p:sld>
 </file>
 
-<file path=ppt/slides/slide3.xml><?xml version="1.0" encoding="utf-8"?>
-<p:sld xmlns:a="http://schemas.openxmlformats.org/drawingml/2006/main" xmlns:r="http://schemas.openxmlformats.org/officeDocument/2006/relationships" xmlns:p="http://schemas.openxmlformats.org/presentationml/2006/main">
-  <p:cSld>
-    <p:spTree>
-      <p:nvGrpSpPr>
-        <p:cNvPr id="1" name=""/>
-        <p:cNvGrpSpPr/>
-        <p:nvPr/>
-      </p:nvGrpSpPr>
-      <p:grpSpPr>
-        <a:xfrm>
-          <a:off x="0" y="0"/>
-          <a:ext cx="0" cy="0"/>
-          <a:chOff x="0" y="0"/>
-          <a:chExt cx="0" cy="0"/>
-        </a:xfrm>
-      </p:grpSpPr>
-      <p:sp>
-        <p:nvSpPr>
-          <p:cNvPr id="2" name="Title 1"/>
-          <p:cNvSpPr>
-            <a:spLocks noGrp="1"/>
-          </p:cNvSpPr>
-          <p:nvPr>
-            <p:ph type="title"/>
-          </p:nvPr>
-        </p:nvSpPr>
-        <p:spPr/>
-        <p:txBody>
-          <a:bodyPr>
-            <a:normAutofit/>
-          </a:bodyPr>
-          <a:lstStyle/>
-          <a:p>
-            <a:r>
-              <a:rPr lang="en-US" dirty="0"/>
-              <a:t>Node.js </a:t>
-            </a:r>
-            <a:r>
-              <a:rPr lang="en-US" dirty="0" smtClean="0"/>
-              <a:t>- No Concurrency In Theory</a:t>
-            </a:r>
-            <a:endParaRPr lang="en-US" dirty="0"/>
-          </a:p>
-        </p:txBody>
-      </p:sp>
-      <p:sp>
-        <p:nvSpPr>
-          <p:cNvPr id="3" name="Content Placeholder 2"/>
-          <p:cNvSpPr>
-            <a:spLocks noGrp="1"/>
-          </p:cNvSpPr>
-          <p:nvPr>
-            <p:ph idx="1"/>
-          </p:nvPr>
-        </p:nvSpPr>
-        <p:spPr/>
-        <p:txBody>
-          <a:bodyPr/>
-          <a:lstStyle/>
-          <a:p>
-            <a:r>
-              <a:rPr lang="en-US" dirty="0"/>
-              <a:t>On </a:t>
-            </a:r>
-            <a:r>
-              <a:rPr lang="en-US" dirty="0" smtClean="0"/>
-              <a:t>theory , Node.js </a:t>
-            </a:r>
-            <a:r>
-              <a:rPr lang="en-US" dirty="0"/>
-              <a:t>should not have concurrency </a:t>
-            </a:r>
-            <a:r>
-              <a:rPr lang="en-US" dirty="0" smtClean="0"/>
-              <a:t>problems</a:t>
-            </a:r>
-          </a:p>
-          <a:p>
-            <a:r>
-              <a:rPr lang="en-US" dirty="0" smtClean="0"/>
-              <a:t>Single </a:t>
-            </a:r>
-            <a:r>
-              <a:rPr lang="en-US" dirty="0"/>
-              <a:t>threaded with event </a:t>
-            </a:r>
-            <a:r>
-              <a:rPr lang="en-US" dirty="0" smtClean="0"/>
-              <a:t>loop</a:t>
-            </a:r>
-          </a:p>
-          <a:p>
-            <a:r>
-              <a:rPr lang="en-US" dirty="0" smtClean="0"/>
-              <a:t>Code Never interrupted inside the event loop</a:t>
-            </a:r>
-          </a:p>
-        </p:txBody>
-      </p:sp>
-    </p:spTree>
-    <p:extLst>
-      <p:ext uri="{BB962C8B-B14F-4D97-AF65-F5344CB8AC3E}">
-        <p14:creationId xmlns:p14="http://schemas.microsoft.com/office/powerpoint/2010/main" val="2886122911"/>
-      </p:ext>
-    </p:extLst>
-  </p:cSld>
-  <p:clrMapOvr>
-    <a:masterClrMapping/>
-  </p:clrMapOvr>
-</p:sld>
-</file>
-
-<file path=ppt/slides/slide30.xml><?xml version="1.0" encoding="utf-8"?>
+<file path=ppt/slides/slide34.xml><?xml version="1.0" encoding="utf-8"?>
 <p:sld xmlns:a="http://schemas.openxmlformats.org/drawingml/2006/main" xmlns:r="http://schemas.openxmlformats.org/officeDocument/2006/relationships" xmlns:p="http://schemas.openxmlformats.org/presentationml/2006/main">
   <p:cSld>
     <p:spTree>
@@ -10394,7 +10876,7 @@
           <p:cNvPr id="5" name="Right Arrow 8">
             <a:extLst>
               <a:ext uri="{FF2B5EF4-FFF2-40B4-BE49-F238E27FC236}">
-                <a16:creationId xmlns:a16="http://schemas.microsoft.com/office/drawing/2014/main" xmlns="" id="{9B6A5C66-3111-42AA-9715-A250ECC26D8A}"/>
+                <a16:creationId xmlns="" xmlns:a16="http://schemas.microsoft.com/office/drawing/2014/main" id="{9B6A5C66-3111-42AA-9715-A250ECC26D8A}"/>
               </a:ext>
             </a:extLst>
           </p:cNvPr>
@@ -10485,7 +10967,7 @@
           <p:cNvPr id="7" name="Right Arrow 8">
             <a:extLst>
               <a:ext uri="{FF2B5EF4-FFF2-40B4-BE49-F238E27FC236}">
-                <a16:creationId xmlns:a16="http://schemas.microsoft.com/office/drawing/2014/main" xmlns="" id="{9B6A5C66-3111-42AA-9715-A250ECC26D8A}"/>
+                <a16:creationId xmlns="" xmlns:a16="http://schemas.microsoft.com/office/drawing/2014/main" id="{9B6A5C66-3111-42AA-9715-A250ECC26D8A}"/>
               </a:ext>
             </a:extLst>
           </p:cNvPr>
@@ -10533,7 +11015,7 @@
           <p:cNvPr id="9" name="Right Arrow 8">
             <a:extLst>
               <a:ext uri="{FF2B5EF4-FFF2-40B4-BE49-F238E27FC236}">
-                <a16:creationId xmlns:a16="http://schemas.microsoft.com/office/drawing/2014/main" xmlns="" id="{9B6A5C66-3111-42AA-9715-A250ECC26D8A}"/>
+                <a16:creationId xmlns="" xmlns:a16="http://schemas.microsoft.com/office/drawing/2014/main" id="{9B6A5C66-3111-42AA-9715-A250ECC26D8A}"/>
               </a:ext>
             </a:extLst>
           </p:cNvPr>
@@ -10659,7 +11141,15 @@
             <a:pPr algn="ctr"/>
             <a:r>
               <a:rPr lang="en-US" dirty="0" smtClean="0"/>
-              <a:t>Context switch in event loop</a:t>
+              <a:t>Event loop stop the flow on </a:t>
+            </a:r>
+            <a:r>
+              <a:rPr lang="en-US" dirty="0" err="1" smtClean="0"/>
+              <a:t>async</a:t>
+            </a:r>
+            <a:r>
+              <a:rPr lang="en-US" dirty="0" smtClean="0"/>
+              <a:t> operation</a:t>
             </a:r>
             <a:endParaRPr lang="en-US" dirty="0"/>
           </a:p>
@@ -10670,7 +11160,7 @@
           <p:cNvPr id="11" name="Right Arrow 8">
             <a:extLst>
               <a:ext uri="{FF2B5EF4-FFF2-40B4-BE49-F238E27FC236}">
-                <a16:creationId xmlns:a16="http://schemas.microsoft.com/office/drawing/2014/main" xmlns="" id="{9B6A5C66-3111-42AA-9715-A250ECC26D8A}"/>
+                <a16:creationId xmlns="" xmlns:a16="http://schemas.microsoft.com/office/drawing/2014/main" id="{9B6A5C66-3111-42AA-9715-A250ECC26D8A}"/>
               </a:ext>
             </a:extLst>
           </p:cNvPr>
@@ -10752,8 +11242,16 @@
           <a:p>
             <a:pPr algn="ctr"/>
             <a:r>
-              <a:rPr lang="en-US" dirty="0" smtClean="0"/>
-              <a:t>Context switch in event loop</a:t>
+              <a:rPr lang="en-US" dirty="0"/>
+              <a:t>Event loop stop the flow on </a:t>
+            </a:r>
+            <a:r>
+              <a:rPr lang="en-US" dirty="0" err="1"/>
+              <a:t>async</a:t>
+            </a:r>
+            <a:r>
+              <a:rPr lang="en-US" dirty="0"/>
+              <a:t> operation</a:t>
             </a:r>
             <a:endParaRPr lang="en-US" dirty="0"/>
           </a:p>
@@ -10764,7 +11262,7 @@
           <p:cNvPr id="13" name="Right Arrow 8">
             <a:extLst>
               <a:ext uri="{FF2B5EF4-FFF2-40B4-BE49-F238E27FC236}">
-                <a16:creationId xmlns:a16="http://schemas.microsoft.com/office/drawing/2014/main" xmlns="" id="{9B6A5C66-3111-42AA-9715-A250ECC26D8A}"/>
+                <a16:creationId xmlns="" xmlns:a16="http://schemas.microsoft.com/office/drawing/2014/main" id="{9B6A5C66-3111-42AA-9715-A250ECC26D8A}"/>
               </a:ext>
             </a:extLst>
           </p:cNvPr>
@@ -10855,7 +11353,7 @@
           <p:cNvPr id="15" name="Right Arrow 8">
             <a:extLst>
               <a:ext uri="{FF2B5EF4-FFF2-40B4-BE49-F238E27FC236}">
-                <a16:creationId xmlns:a16="http://schemas.microsoft.com/office/drawing/2014/main" xmlns="" id="{9B6A5C66-3111-42AA-9715-A250ECC26D8A}"/>
+                <a16:creationId xmlns="" xmlns:a16="http://schemas.microsoft.com/office/drawing/2014/main" id="{9B6A5C66-3111-42AA-9715-A250ECC26D8A}"/>
               </a:ext>
             </a:extLst>
           </p:cNvPr>
@@ -10946,7 +11444,7 @@
           <p:cNvPr id="17" name="Right Arrow 8">
             <a:extLst>
               <a:ext uri="{FF2B5EF4-FFF2-40B4-BE49-F238E27FC236}">
-                <a16:creationId xmlns:a16="http://schemas.microsoft.com/office/drawing/2014/main" xmlns="" id="{9B6A5C66-3111-42AA-9715-A250ECC26D8A}"/>
+                <a16:creationId xmlns="" xmlns:a16="http://schemas.microsoft.com/office/drawing/2014/main" id="{9B6A5C66-3111-42AA-9715-A250ECC26D8A}"/>
               </a:ext>
             </a:extLst>
           </p:cNvPr>
@@ -11048,7 +11546,7 @@
 </p:sld>
 </file>
 
-<file path=ppt/slides/slide31.xml><?xml version="1.0" encoding="utf-8"?>
+<file path=ppt/slides/slide35.xml><?xml version="1.0" encoding="utf-8"?>
 <p:sld xmlns:a="http://schemas.openxmlformats.org/drawingml/2006/main" xmlns:r="http://schemas.openxmlformats.org/officeDocument/2006/relationships" xmlns:p="http://schemas.openxmlformats.org/presentationml/2006/main">
   <p:cSld>
     <p:spTree>
@@ -11131,7 +11629,7 @@
 </p:sld>
 </file>
 
-<file path=ppt/slides/slide32.xml><?xml version="1.0" encoding="utf-8"?>
+<file path=ppt/slides/slide36.xml><?xml version="1.0" encoding="utf-8"?>
 <p:sld xmlns:a="http://schemas.openxmlformats.org/drawingml/2006/main" xmlns:r="http://schemas.openxmlformats.org/officeDocument/2006/relationships" xmlns:p="http://schemas.openxmlformats.org/presentationml/2006/main">
   <p:cSld>
     <p:spTree>
@@ -11251,7 +11749,7 @@
 </p:sld>
 </file>
 
-<file path=ppt/slides/slide33.xml><?xml version="1.0" encoding="utf-8"?>
+<file path=ppt/slides/slide37.xml><?xml version="1.0" encoding="utf-8"?>
 <p:sld xmlns:a="http://schemas.openxmlformats.org/drawingml/2006/main" xmlns:r="http://schemas.openxmlformats.org/officeDocument/2006/relationships" xmlns:p="http://schemas.openxmlformats.org/presentationml/2006/main">
   <p:cSld>
     <p:spTree>
@@ -11285,7 +11783,15 @@
           <a:p>
             <a:r>
               <a:rPr lang="en-US" dirty="0" smtClean="0"/>
-              <a:t>Pros And Cons</a:t>
+              <a:t>Optimistic locking -</a:t>
+            </a:r>
+            <a:r>
+              <a:rPr lang="en-US" dirty="0"/>
+              <a:t> </a:t>
+            </a:r>
+            <a:r>
+              <a:rPr lang="en-US" dirty="0" smtClean="0"/>
+              <a:t>Cons</a:t>
             </a:r>
             <a:endParaRPr lang="en-US" dirty="0"/>
           </a:p>
@@ -11303,76 +11809,47 @@
         </p:nvSpPr>
         <p:spPr/>
         <p:txBody>
-          <a:bodyPr/>
-          <a:lstStyle/>
-          <a:p>
-            <a:r>
-              <a:rPr lang="en-US" dirty="0" smtClean="0"/>
-              <a:t>Pros – </a:t>
-            </a:r>
-            <a:endParaRPr lang="he-IL" dirty="0" smtClean="0"/>
-          </a:p>
+          <a:bodyPr>
+            <a:normAutofit/>
+          </a:bodyPr>
+          <a:lstStyle/>
           <a:p>
             <a:pPr lvl="1"/>
             <a:r>
-              <a:rPr lang="en-US" dirty="0" smtClean="0"/>
-              <a:t>Will guaranty consistency</a:t>
-            </a:r>
-            <a:endParaRPr lang="he-IL" dirty="0" smtClean="0"/>
+              <a:rPr lang="en-US" sz="2400" dirty="0" smtClean="0"/>
+              <a:t>Will </a:t>
+            </a:r>
+            <a:r>
+              <a:rPr lang="en-US" sz="2400" dirty="0" smtClean="0"/>
+              <a:t>guaranty consistency</a:t>
+            </a:r>
+            <a:endParaRPr lang="he-IL" sz="2400" dirty="0" smtClean="0"/>
           </a:p>
           <a:p>
             <a:pPr lvl="1"/>
             <a:r>
-              <a:rPr lang="en-US" dirty="0" smtClean="0"/>
-              <a:t>Out of the box cluster support</a:t>
-            </a:r>
-          </a:p>
-          <a:p>
-            <a:r>
-              <a:rPr lang="en-US" dirty="0" smtClean="0"/>
-              <a:t>Cons - Updates </a:t>
-            </a:r>
-            <a:r>
-              <a:rPr lang="en-US" dirty="0"/>
-              <a:t>with a non updated version will </a:t>
-            </a:r>
-            <a:r>
-              <a:rPr lang="en-US" dirty="0" smtClean="0"/>
-              <a:t>fail - exception</a:t>
-            </a:r>
-            <a:endParaRPr lang="en-US" dirty="0"/>
+              <a:rPr lang="en-US" sz="2400" dirty="0" smtClean="0"/>
+              <a:t>Out of the box cluster </a:t>
+            </a:r>
+            <a:r>
+              <a:rPr lang="en-US" sz="2400" dirty="0" smtClean="0"/>
+              <a:t>support</a:t>
+            </a:r>
           </a:p>
           <a:p>
             <a:pPr lvl="1"/>
             <a:r>
-              <a:rPr lang="en-US" dirty="0"/>
-              <a:t>For the updates to wait – </a:t>
+              <a:rPr lang="en-US" sz="2400" dirty="0" smtClean="0"/>
+              <a:t>Well utilized pattern </a:t>
             </a:r>
           </a:p>
           <a:p>
             <a:pPr lvl="2"/>
             <a:r>
-              <a:rPr lang="en-US" dirty="0"/>
-              <a:t>Utilize </a:t>
-            </a:r>
-            <a:r>
-              <a:rPr lang="en-US" dirty="0" err="1"/>
-              <a:t>async</a:t>
-            </a:r>
-            <a:r>
-              <a:rPr lang="en-US" dirty="0"/>
-              <a:t>-lock library + sticky session for example</a:t>
-            </a:r>
-          </a:p>
-          <a:p>
-            <a:pPr lvl="2"/>
-            <a:r>
-              <a:rPr lang="en-US" dirty="0"/>
-              <a:t>DB Transactions – Not applicable for every DB</a:t>
-            </a:r>
-          </a:p>
-          <a:p>
-            <a:endParaRPr lang="en-US" dirty="0"/>
+              <a:rPr lang="en-US" sz="2200" dirty="0" smtClean="0"/>
+              <a:t>Lots of examples and implementations</a:t>
+            </a:r>
+            <a:endParaRPr lang="en-US" sz="2200" dirty="0" smtClean="0"/>
           </a:p>
         </p:txBody>
       </p:sp>
@@ -11389,7 +11866,129 @@
 </p:sld>
 </file>
 
-<file path=ppt/slides/slide34.xml><?xml version="1.0" encoding="utf-8"?>
+<file path=ppt/slides/slide38.xml><?xml version="1.0" encoding="utf-8"?>
+<p:sld xmlns:a="http://schemas.openxmlformats.org/drawingml/2006/main" xmlns:r="http://schemas.openxmlformats.org/officeDocument/2006/relationships" xmlns:p="http://schemas.openxmlformats.org/presentationml/2006/main">
+  <p:cSld>
+    <p:spTree>
+      <p:nvGrpSpPr>
+        <p:cNvPr id="1" name=""/>
+        <p:cNvGrpSpPr/>
+        <p:nvPr/>
+      </p:nvGrpSpPr>
+      <p:grpSpPr>
+        <a:xfrm>
+          <a:off x="0" y="0"/>
+          <a:ext cx="0" cy="0"/>
+          <a:chOff x="0" y="0"/>
+          <a:chExt cx="0" cy="0"/>
+        </a:xfrm>
+      </p:grpSpPr>
+      <p:sp>
+        <p:nvSpPr>
+          <p:cNvPr id="2" name="Title 1"/>
+          <p:cNvSpPr>
+            <a:spLocks noGrp="1"/>
+          </p:cNvSpPr>
+          <p:nvPr>
+            <p:ph type="title"/>
+          </p:nvPr>
+        </p:nvSpPr>
+        <p:spPr/>
+        <p:txBody>
+          <a:bodyPr/>
+          <a:lstStyle/>
+          <a:p>
+            <a:r>
+              <a:rPr lang="en-US" dirty="0" smtClean="0"/>
+              <a:t>Optimistic Locking - Cons</a:t>
+            </a:r>
+            <a:endParaRPr lang="en-US" dirty="0"/>
+          </a:p>
+        </p:txBody>
+      </p:sp>
+      <p:sp>
+        <p:nvSpPr>
+          <p:cNvPr id="3" name="Content Placeholder 2"/>
+          <p:cNvSpPr>
+            <a:spLocks noGrp="1"/>
+          </p:cNvSpPr>
+          <p:nvPr>
+            <p:ph idx="1"/>
+          </p:nvPr>
+        </p:nvSpPr>
+        <p:spPr/>
+        <p:txBody>
+          <a:bodyPr/>
+          <a:lstStyle/>
+          <a:p>
+            <a:r>
+              <a:rPr lang="en-US" dirty="0" smtClean="0"/>
+              <a:t>Updates </a:t>
+            </a:r>
+            <a:r>
+              <a:rPr lang="en-US" dirty="0"/>
+              <a:t>with a non updated version will fail - exception</a:t>
+            </a:r>
+          </a:p>
+          <a:p>
+            <a:pPr lvl="1"/>
+            <a:r>
+              <a:rPr lang="en-US" dirty="0"/>
+              <a:t>You can take a design decision that the caller will handle the exception</a:t>
+            </a:r>
+          </a:p>
+          <a:p>
+            <a:pPr lvl="1"/>
+            <a:r>
+              <a:rPr lang="en-US" dirty="0" smtClean="0"/>
+              <a:t>If, by design, you want no failures – then updates will have to </a:t>
+            </a:r>
+            <a:r>
+              <a:rPr lang="en-US" dirty="0"/>
+              <a:t>wait – </a:t>
+            </a:r>
+          </a:p>
+          <a:p>
+            <a:pPr lvl="2"/>
+            <a:r>
+              <a:rPr lang="en-US" dirty="0"/>
+              <a:t>Utilize </a:t>
+            </a:r>
+            <a:r>
+              <a:rPr lang="en-US" dirty="0" err="1"/>
+              <a:t>async</a:t>
+            </a:r>
+            <a:r>
+              <a:rPr lang="en-US" dirty="0"/>
+              <a:t>-lock library + sticky session for example</a:t>
+            </a:r>
+          </a:p>
+          <a:p>
+            <a:pPr lvl="2"/>
+            <a:r>
+              <a:rPr lang="en-US" dirty="0"/>
+              <a:t>DB Transactions – Not applicable for every DB</a:t>
+            </a:r>
+          </a:p>
+          <a:p>
+            <a:endParaRPr lang="en-US" dirty="0"/>
+          </a:p>
+        </p:txBody>
+      </p:sp>
+    </p:spTree>
+    <p:extLst>
+      <p:ext uri="{BB962C8B-B14F-4D97-AF65-F5344CB8AC3E}">
+        <p14:creationId xmlns:p14="http://schemas.microsoft.com/office/powerpoint/2010/main" val="217236234"/>
+      </p:ext>
+    </p:extLst>
+  </p:cSld>
+  <p:clrMapOvr>
+    <a:masterClrMapping/>
+  </p:clrMapOvr>
+</p:sld>
+</file>
+
+<file path=ppt/slides/slide39.xml><?xml version="1.0" encoding="utf-8"?>
 <p:sld xmlns:a="http://schemas.openxmlformats.org/drawingml/2006/main" xmlns:r="http://schemas.openxmlformats.org/officeDocument/2006/relationships" xmlns:p="http://schemas.openxmlformats.org/presentationml/2006/main">
   <p:cSld>
     <p:spTree>
@@ -11480,7 +12079,7 @@
           <a:p>
             <a:r>
               <a:rPr lang="en-US" dirty="0" smtClean="0"/>
-              <a:t>In Practice – We have concurrency</a:t>
+              <a:t>In Practice – Multiple Race Conditions  </a:t>
             </a:r>
             <a:endParaRPr lang="en-US" dirty="0"/>
           </a:p>
@@ -11502,50 +12101,59 @@
           <a:lstStyle/>
           <a:p>
             <a:r>
-              <a:rPr lang="en-US" dirty="0" smtClean="0"/>
+              <a:rPr lang="en-US" dirty="0"/>
               <a:t>You don’t have concurrency only if :</a:t>
             </a:r>
           </a:p>
           <a:p>
             <a:pPr lvl="1"/>
             <a:r>
-              <a:rPr lang="en-US" dirty="0" smtClean="0"/>
+              <a:rPr lang="en-US" dirty="0"/>
               <a:t>your critical section is completely Synchronous </a:t>
             </a:r>
           </a:p>
           <a:p>
+            <a:pPr lvl="2"/>
+            <a:r>
+              <a:rPr lang="en-US" sz="1600" dirty="0" smtClean="0">
+                <a:solidFill>
+                  <a:schemeClr val="accent2"/>
+                </a:solidFill>
+              </a:rPr>
+              <a:t>Not Recommended – Bad Practice</a:t>
+            </a:r>
+            <a:endParaRPr lang="en-US" sz="1600" dirty="0">
+              <a:solidFill>
+                <a:schemeClr val="accent2"/>
+              </a:solidFill>
+            </a:endParaRPr>
+          </a:p>
+          <a:p>
             <a:pPr lvl="1"/>
             <a:r>
-              <a:rPr lang="en-US" dirty="0" smtClean="0"/>
-              <a:t>Your critical section is running on the event loop alone – with no other requests / code paths</a:t>
-            </a:r>
-          </a:p>
-          <a:p>
-            <a:r>
-              <a:rPr lang="en-US" dirty="0" smtClean="0"/>
-              <a:t>In Practice :</a:t>
-            </a:r>
-          </a:p>
-          <a:p>
-            <a:pPr lvl="1"/>
-            <a:r>
-              <a:rPr lang="en-US" dirty="0" smtClean="0"/>
-              <a:t>Multiple Requests on Server</a:t>
-            </a:r>
-          </a:p>
-          <a:p>
-            <a:pPr lvl="1"/>
-            <a:r>
-              <a:rPr lang="en-US" dirty="0" smtClean="0"/>
-              <a:t>Asynchronous code inside the critical section will cause events from other requests / code paths to run in between</a:t>
-            </a:r>
-          </a:p>
-          <a:p>
-            <a:pPr lvl="1"/>
-            <a:r>
-              <a:rPr lang="en-US" dirty="0" smtClean="0"/>
-              <a:t>Other code paths might update the same objects </a:t>
-            </a:r>
+              <a:rPr lang="en-US" dirty="0"/>
+              <a:t>Your critical section is running on the event loop alone – with no other requests / code </a:t>
+            </a:r>
+            <a:r>
+              <a:rPr lang="en-US" dirty="0" smtClean="0"/>
+              <a:t>paths</a:t>
+            </a:r>
+          </a:p>
+          <a:p>
+            <a:pPr lvl="2"/>
+            <a:r>
+              <a:rPr lang="en-US" sz="1600" dirty="0" smtClean="0">
+                <a:solidFill>
+                  <a:schemeClr val="accent2"/>
+                </a:solidFill>
+              </a:rPr>
+              <a:t>Not Realistic – Your server must support multiple requests</a:t>
+            </a:r>
+            <a:endParaRPr lang="en-US" sz="1600" dirty="0">
+              <a:solidFill>
+                <a:schemeClr val="accent2"/>
+              </a:solidFill>
+            </a:endParaRPr>
           </a:p>
           <a:p>
             <a:endParaRPr lang="en-US" dirty="0"/>
@@ -11555,7 +12163,7 @@
     </p:spTree>
     <p:extLst>
       <p:ext uri="{BB962C8B-B14F-4D97-AF65-F5344CB8AC3E}">
-        <p14:creationId xmlns:p14="http://schemas.microsoft.com/office/powerpoint/2010/main" val="3894075416"/>
+        <p14:creationId xmlns:p14="http://schemas.microsoft.com/office/powerpoint/2010/main" val="2664025016"/>
       </p:ext>
     </p:extLst>
   </p:cSld>
@@ -11599,7 +12207,129 @@
           <a:p>
             <a:r>
               <a:rPr lang="en-US" dirty="0" smtClean="0"/>
-              <a:t>Node.js Concurrency Explained - Continue</a:t>
+              <a:t>In Practice – </a:t>
+            </a:r>
+            <a:r>
+              <a:rPr lang="en-US" dirty="0" smtClean="0"/>
+              <a:t>Multiple Race Conditions</a:t>
+            </a:r>
+            <a:endParaRPr lang="en-US" dirty="0"/>
+          </a:p>
+        </p:txBody>
+      </p:sp>
+      <p:sp>
+        <p:nvSpPr>
+          <p:cNvPr id="3" name="Content Placeholder 2"/>
+          <p:cNvSpPr>
+            <a:spLocks noGrp="1"/>
+          </p:cNvSpPr>
+          <p:nvPr>
+            <p:ph idx="1"/>
+          </p:nvPr>
+        </p:nvSpPr>
+        <p:spPr/>
+        <p:txBody>
+          <a:bodyPr/>
+          <a:lstStyle/>
+          <a:p>
+            <a:r>
+              <a:rPr lang="en-US" dirty="0" smtClean="0"/>
+              <a:t>In </a:t>
+            </a:r>
+            <a:r>
+              <a:rPr lang="en-US" dirty="0" smtClean="0"/>
+              <a:t>Practice :</a:t>
+            </a:r>
+          </a:p>
+          <a:p>
+            <a:pPr lvl="1"/>
+            <a:r>
+              <a:rPr lang="en-US" dirty="0" smtClean="0"/>
+              <a:t>Multiple Requests on Server</a:t>
+            </a:r>
+          </a:p>
+          <a:p>
+            <a:pPr lvl="1"/>
+            <a:r>
+              <a:rPr lang="en-US" dirty="0" smtClean="0"/>
+              <a:t>Asynchronous code inside the critical section will cause events from other requests / code paths to run in between</a:t>
+            </a:r>
+          </a:p>
+          <a:p>
+            <a:pPr lvl="1"/>
+            <a:r>
+              <a:rPr lang="en-US" dirty="0" smtClean="0"/>
+              <a:t>If your objects can be updated between multiple requests You have race conditions</a:t>
+            </a:r>
+          </a:p>
+          <a:p>
+            <a:pPr lvl="1"/>
+            <a:r>
+              <a:rPr lang="en-US" dirty="0" smtClean="0"/>
+              <a:t>Other </a:t>
+            </a:r>
+            <a:r>
+              <a:rPr lang="en-US" dirty="0" smtClean="0"/>
+              <a:t>code paths might update the same objects </a:t>
+            </a:r>
+          </a:p>
+          <a:p>
+            <a:endParaRPr lang="en-US" dirty="0"/>
+          </a:p>
+        </p:txBody>
+      </p:sp>
+    </p:spTree>
+    <p:extLst>
+      <p:ext uri="{BB962C8B-B14F-4D97-AF65-F5344CB8AC3E}">
+        <p14:creationId xmlns:p14="http://schemas.microsoft.com/office/powerpoint/2010/main" val="3894075416"/>
+      </p:ext>
+    </p:extLst>
+  </p:cSld>
+  <p:clrMapOvr>
+    <a:masterClrMapping/>
+  </p:clrMapOvr>
+</p:sld>
+</file>
+
+<file path=ppt/slides/slide6.xml><?xml version="1.0" encoding="utf-8"?>
+<p:sld xmlns:a="http://schemas.openxmlformats.org/drawingml/2006/main" xmlns:r="http://schemas.openxmlformats.org/officeDocument/2006/relationships" xmlns:p="http://schemas.openxmlformats.org/presentationml/2006/main">
+  <p:cSld>
+    <p:spTree>
+      <p:nvGrpSpPr>
+        <p:cNvPr id="1" name=""/>
+        <p:cNvGrpSpPr/>
+        <p:nvPr/>
+      </p:nvGrpSpPr>
+      <p:grpSpPr>
+        <a:xfrm>
+          <a:off x="0" y="0"/>
+          <a:ext cx="0" cy="0"/>
+          <a:chOff x="0" y="0"/>
+          <a:chExt cx="0" cy="0"/>
+        </a:xfrm>
+      </p:grpSpPr>
+      <p:sp>
+        <p:nvSpPr>
+          <p:cNvPr id="2" name="Title 1"/>
+          <p:cNvSpPr>
+            <a:spLocks noGrp="1"/>
+          </p:cNvSpPr>
+          <p:nvPr>
+            <p:ph type="title"/>
+          </p:nvPr>
+        </p:nvSpPr>
+        <p:spPr/>
+        <p:txBody>
+          <a:bodyPr/>
+          <a:lstStyle/>
+          <a:p>
+            <a:r>
+              <a:rPr lang="en-US" dirty="0" smtClean="0"/>
+              <a:t>Node.js Concurrency </a:t>
+            </a:r>
+            <a:r>
+              <a:rPr lang="en-US" dirty="0" smtClean="0"/>
+              <a:t>Explained</a:t>
             </a:r>
             <a:endParaRPr lang="en-US" dirty="0"/>
           </a:p>
@@ -11648,151 +12378,6 @@
 </p:sld>
 </file>
 
-<file path=ppt/slides/slide6.xml><?xml version="1.0" encoding="utf-8"?>
-<p:sld xmlns:a="http://schemas.openxmlformats.org/drawingml/2006/main" xmlns:r="http://schemas.openxmlformats.org/officeDocument/2006/relationships" xmlns:p="http://schemas.openxmlformats.org/presentationml/2006/main">
-  <p:cSld>
-    <p:spTree>
-      <p:nvGrpSpPr>
-        <p:cNvPr id="1" name=""/>
-        <p:cNvGrpSpPr/>
-        <p:nvPr/>
-      </p:nvGrpSpPr>
-      <p:grpSpPr>
-        <a:xfrm>
-          <a:off x="0" y="0"/>
-          <a:ext cx="0" cy="0"/>
-          <a:chOff x="0" y="0"/>
-          <a:chExt cx="0" cy="0"/>
-        </a:xfrm>
-      </p:grpSpPr>
-      <p:sp>
-        <p:nvSpPr>
-          <p:cNvPr id="2" name="Title 1"/>
-          <p:cNvSpPr>
-            <a:spLocks noGrp="1"/>
-          </p:cNvSpPr>
-          <p:nvPr>
-            <p:ph type="title"/>
-          </p:nvPr>
-        </p:nvSpPr>
-        <p:spPr/>
-        <p:txBody>
-          <a:bodyPr/>
-          <a:lstStyle/>
-          <a:p>
-            <a:r>
-              <a:rPr lang="en-US" dirty="0" smtClean="0"/>
-              <a:t>Asynchronous Operations </a:t>
-            </a:r>
-            <a:r>
-              <a:rPr lang="en-US" dirty="0"/>
-              <a:t>T</a:t>
-            </a:r>
-            <a:r>
-              <a:rPr lang="en-US" dirty="0" smtClean="0"/>
-              <a:t>hat </a:t>
-            </a:r>
-            <a:r>
-              <a:rPr lang="en-US" dirty="0"/>
-              <a:t>W</a:t>
-            </a:r>
-            <a:r>
-              <a:rPr lang="en-US" dirty="0" smtClean="0"/>
-              <a:t>e </a:t>
-            </a:r>
-            <a:r>
-              <a:rPr lang="en-US" dirty="0"/>
-              <a:t>D</a:t>
-            </a:r>
-            <a:r>
-              <a:rPr lang="en-US" dirty="0" smtClean="0"/>
-              <a:t>on’t </a:t>
-            </a:r>
-            <a:r>
-              <a:rPr lang="en-US" dirty="0"/>
-              <a:t>E</a:t>
-            </a:r>
-            <a:r>
-              <a:rPr lang="en-US" dirty="0" smtClean="0"/>
-              <a:t>xpect</a:t>
-            </a:r>
-            <a:endParaRPr lang="en-US" dirty="0"/>
-          </a:p>
-        </p:txBody>
-      </p:sp>
-      <p:sp>
-        <p:nvSpPr>
-          <p:cNvPr id="3" name="Content Placeholder 2"/>
-          <p:cNvSpPr>
-            <a:spLocks noGrp="1"/>
-          </p:cNvSpPr>
-          <p:nvPr>
-            <p:ph idx="1"/>
-          </p:nvPr>
-        </p:nvSpPr>
-        <p:spPr/>
-        <p:txBody>
-          <a:bodyPr/>
-          <a:lstStyle/>
-          <a:p>
-            <a:r>
-              <a:rPr lang="en-US" dirty="0" smtClean="0"/>
-              <a:t>Using a function that uses timers in it’s internal implementation</a:t>
-            </a:r>
-          </a:p>
-          <a:p>
-            <a:pPr lvl="1"/>
-            <a:r>
-              <a:rPr lang="en-US" dirty="0" err="1" smtClean="0"/>
-              <a:t>SetInterval</a:t>
-            </a:r>
-            <a:endParaRPr lang="en-US" dirty="0" smtClean="0"/>
-          </a:p>
-          <a:p>
-            <a:pPr lvl="1"/>
-            <a:r>
-              <a:rPr lang="en-US" dirty="0" err="1" smtClean="0"/>
-              <a:t>SetImmediate</a:t>
-            </a:r>
-            <a:endParaRPr lang="en-US" dirty="0" smtClean="0"/>
-          </a:p>
-          <a:p>
-            <a:pPr lvl="1"/>
-            <a:r>
-              <a:rPr lang="en-US" dirty="0" err="1" smtClean="0"/>
-              <a:t>SetTimeout</a:t>
-            </a:r>
-            <a:endParaRPr lang="en-US" dirty="0" smtClean="0"/>
-          </a:p>
-          <a:p>
-            <a:r>
-              <a:rPr lang="en-US" dirty="0" smtClean="0"/>
-              <a:t>I/O operations in the function internal implementation</a:t>
-            </a:r>
-            <a:endParaRPr lang="he-IL" dirty="0" smtClean="0"/>
-          </a:p>
-          <a:p>
-            <a:r>
-              <a:rPr lang="en-US" dirty="0" smtClean="0"/>
-              <a:t>Usage a function from third party library – internal implementation performs asynchronous operations</a:t>
-            </a:r>
-            <a:endParaRPr lang="he-IL" dirty="0" smtClean="0"/>
-          </a:p>
-        </p:txBody>
-      </p:sp>
-    </p:spTree>
-    <p:extLst>
-      <p:ext uri="{BB962C8B-B14F-4D97-AF65-F5344CB8AC3E}">
-        <p14:creationId xmlns:p14="http://schemas.microsoft.com/office/powerpoint/2010/main" val="3663710991"/>
-      </p:ext>
-    </p:extLst>
-  </p:cSld>
-  <p:clrMapOvr>
-    <a:masterClrMapping/>
-  </p:clrMapOvr>
-</p:sld>
-</file>
-
 <file path=ppt/slides/slide7.xml><?xml version="1.0" encoding="utf-8"?>
 <p:sld xmlns:a="http://schemas.openxmlformats.org/drawingml/2006/main" xmlns:r="http://schemas.openxmlformats.org/officeDocument/2006/relationships" xmlns:p="http://schemas.openxmlformats.org/presentationml/2006/main">
   <p:cSld>
@@ -11827,7 +12412,7 @@
           <a:p>
             <a:r>
               <a:rPr lang="en-US" dirty="0" smtClean="0"/>
-              <a:t>How To Solve Concurrency Problems In Node</a:t>
+              <a:t>The Correct Term Is Race Conditions</a:t>
             </a:r>
             <a:endParaRPr lang="en-US" dirty="0"/>
           </a:p>
@@ -11850,54 +12435,47 @@
           <a:p>
             <a:r>
               <a:rPr lang="en-US" dirty="0" smtClean="0"/>
-              <a:t>Node.js programming paradigms are different</a:t>
-            </a:r>
-          </a:p>
-          <a:p>
-            <a:r>
-              <a:rPr lang="en-US" dirty="0" smtClean="0"/>
-              <a:t>Utilize mechanisms for concurrency and implement them in Node.js</a:t>
+              <a:t>Concurrency is multiple threads accessing the same objects</a:t>
+            </a:r>
+          </a:p>
+          <a:p>
+            <a:r>
+              <a:rPr lang="en-US" dirty="0" smtClean="0"/>
+              <a:t>We do not have concurrency</a:t>
             </a:r>
           </a:p>
           <a:p>
             <a:pPr lvl="1"/>
             <a:r>
               <a:rPr lang="en-US" dirty="0" smtClean="0"/>
-              <a:t>Implement lock</a:t>
+              <a:t>Event loop is running on a single thread</a:t>
+            </a:r>
+          </a:p>
+          <a:p>
+            <a:r>
+              <a:rPr lang="en-US" dirty="0" smtClean="0"/>
+              <a:t>We have Race conditions – </a:t>
             </a:r>
           </a:p>
           <a:p>
             <a:pPr lvl="1"/>
             <a:r>
               <a:rPr lang="en-US" dirty="0" smtClean="0"/>
-              <a:t>Implement critical section</a:t>
-            </a:r>
-          </a:p>
-          <a:p>
-            <a:r>
-              <a:rPr lang="en-US" dirty="0" smtClean="0"/>
-              <a:t>Take general patterns and use them as they are</a:t>
+              <a:t>Multiple Requests can update the same object </a:t>
             </a:r>
           </a:p>
           <a:p>
             <a:pPr lvl="1"/>
             <a:r>
               <a:rPr lang="en-US" dirty="0" smtClean="0"/>
-              <a:t>Optimistic locking</a:t>
+              <a:t>Create data inconsistencies</a:t>
             </a:r>
           </a:p>
           <a:p>
             <a:pPr lvl="1"/>
             <a:r>
               <a:rPr lang="en-US" dirty="0" smtClean="0"/>
-              <a:t>Transactions (if supported)</a:t>
-            </a:r>
-          </a:p>
-          <a:p>
-            <a:pPr lvl="1"/>
-            <a:r>
-              <a:rPr lang="en-US" dirty="0" smtClean="0"/>
-              <a:t>And more …</a:t>
+              <a:t>We must protect our objects</a:t>
             </a:r>
             <a:endParaRPr lang="en-US" dirty="0"/>
           </a:p>
@@ -11906,7 +12484,7 @@
     </p:spTree>
     <p:extLst>
       <p:ext uri="{BB962C8B-B14F-4D97-AF65-F5344CB8AC3E}">
-        <p14:creationId xmlns:p14="http://schemas.microsoft.com/office/powerpoint/2010/main" val="2768232591"/>
+        <p14:creationId xmlns:p14="http://schemas.microsoft.com/office/powerpoint/2010/main" val="1852688789"/>
       </p:ext>
     </p:extLst>
   </p:cSld>
@@ -11945,7 +12523,7 @@
         </p:nvSpPr>
         <p:spPr>
           <a:xfrm>
-            <a:off x="609599" y="2717800"/>
+            <a:off x="609599" y="381000"/>
             <a:ext cx="6347713" cy="1320800"/>
           </a:xfrm>
         </p:spPr>
@@ -11955,16 +12533,170 @@
           <a:p>
             <a:r>
               <a:rPr lang="en-US" dirty="0" smtClean="0"/>
-              <a:t>Lazy Initialization</a:t>
+              <a:t>Race Conditions</a:t>
             </a:r>
             <a:endParaRPr lang="en-US" dirty="0"/>
           </a:p>
         </p:txBody>
       </p:sp>
+      <p:sp>
+        <p:nvSpPr>
+          <p:cNvPr id="3" name="Content Placeholder 2"/>
+          <p:cNvSpPr>
+            <a:spLocks noGrp="1"/>
+          </p:cNvSpPr>
+          <p:nvPr>
+            <p:ph idx="1"/>
+          </p:nvPr>
+        </p:nvSpPr>
+        <p:spPr>
+          <a:xfrm>
+            <a:off x="609599" y="1148427"/>
+            <a:ext cx="6347714" cy="3880773"/>
+          </a:xfrm>
+        </p:spPr>
+        <p:txBody>
+          <a:bodyPr/>
+          <a:lstStyle/>
+          <a:p>
+            <a:r>
+              <a:rPr lang="en-US" dirty="0" smtClean="0"/>
+              <a:t>Arises in software when a system depends on a series of operations of threads / processes to happened in a specific order</a:t>
+            </a:r>
+          </a:p>
+          <a:p>
+            <a:r>
+              <a:rPr lang="en-US" dirty="0" smtClean="0"/>
+              <a:t>In a traditional system that works with threads, both series can happen</a:t>
+            </a:r>
+            <a:endParaRPr lang="en-US" dirty="0"/>
+          </a:p>
+        </p:txBody>
+      </p:sp>
+      <p:pic>
+        <p:nvPicPr>
+          <p:cNvPr id="4" name="Picture 3"/>
+          <p:cNvPicPr>
+            <a:picLocks noChangeAspect="1"/>
+          </p:cNvPicPr>
+          <p:nvPr/>
+        </p:nvPicPr>
+        <p:blipFill>
+          <a:blip r:embed="rId2">
+            <a:extLst>
+              <a:ext uri="{28A0092B-C50C-407E-A947-70E740481C1C}">
+                <a14:useLocalDpi xmlns:a14="http://schemas.microsoft.com/office/drawing/2010/main" val="0"/>
+              </a:ext>
+            </a:extLst>
+          </a:blip>
+          <a:stretch>
+            <a:fillRect/>
+          </a:stretch>
+        </p:blipFill>
+        <p:spPr>
+          <a:xfrm>
+            <a:off x="381000" y="3657600"/>
+            <a:ext cx="3497842" cy="2438400"/>
+          </a:xfrm>
+          <a:prstGeom prst="rect">
+            <a:avLst/>
+          </a:prstGeom>
+        </p:spPr>
+      </p:pic>
+      <p:pic>
+        <p:nvPicPr>
+          <p:cNvPr id="5" name="Picture 4"/>
+          <p:cNvPicPr>
+            <a:picLocks noChangeAspect="1"/>
+          </p:cNvPicPr>
+          <p:nvPr/>
+        </p:nvPicPr>
+        <p:blipFill>
+          <a:blip r:embed="rId3">
+            <a:extLst>
+              <a:ext uri="{28A0092B-C50C-407E-A947-70E740481C1C}">
+                <a14:useLocalDpi xmlns:a14="http://schemas.microsoft.com/office/drawing/2010/main" val="0"/>
+              </a:ext>
+            </a:extLst>
+          </a:blip>
+          <a:stretch>
+            <a:fillRect/>
+          </a:stretch>
+        </p:blipFill>
+        <p:spPr>
+          <a:xfrm>
+            <a:off x="4588932" y="3657600"/>
+            <a:ext cx="3545983" cy="2438400"/>
+          </a:xfrm>
+          <a:prstGeom prst="rect">
+            <a:avLst/>
+          </a:prstGeom>
+        </p:spPr>
+      </p:pic>
+      <p:pic>
+        <p:nvPicPr>
+          <p:cNvPr id="6" name="Picture 5"/>
+          <p:cNvPicPr>
+            <a:picLocks noChangeAspect="1"/>
+          </p:cNvPicPr>
+          <p:nvPr/>
+        </p:nvPicPr>
+        <p:blipFill>
+          <a:blip r:embed="rId4" cstate="print">
+            <a:extLst>
+              <a:ext uri="{28A0092B-C50C-407E-A947-70E740481C1C}">
+                <a14:useLocalDpi xmlns:a14="http://schemas.microsoft.com/office/drawing/2010/main" val="0"/>
+              </a:ext>
+            </a:extLst>
+          </a:blip>
+          <a:stretch>
+            <a:fillRect/>
+          </a:stretch>
+        </p:blipFill>
+        <p:spPr>
+          <a:xfrm>
+            <a:off x="1317414" y="2590800"/>
+            <a:ext cx="1166706" cy="1166706"/>
+          </a:xfrm>
+          <a:prstGeom prst="rect">
+            <a:avLst/>
+          </a:prstGeom>
+        </p:spPr>
+      </p:pic>
+      <p:pic>
+        <p:nvPicPr>
+          <p:cNvPr id="7" name="Picture 6"/>
+          <p:cNvPicPr>
+            <a:picLocks noChangeAspect="1"/>
+          </p:cNvPicPr>
+          <p:nvPr/>
+        </p:nvPicPr>
+        <p:blipFill>
+          <a:blip r:embed="rId5" cstate="print">
+            <a:extLst>
+              <a:ext uri="{28A0092B-C50C-407E-A947-70E740481C1C}">
+                <a14:useLocalDpi xmlns:a14="http://schemas.microsoft.com/office/drawing/2010/main" val="0"/>
+              </a:ext>
+            </a:extLst>
+          </a:blip>
+          <a:stretch>
+            <a:fillRect/>
+          </a:stretch>
+        </p:blipFill>
+        <p:spPr>
+          <a:xfrm>
+            <a:off x="5943600" y="2590800"/>
+            <a:ext cx="1019388" cy="1019388"/>
+          </a:xfrm>
+          <a:prstGeom prst="rect">
+            <a:avLst/>
+          </a:prstGeom>
+        </p:spPr>
+      </p:pic>
     </p:spTree>
     <p:extLst>
       <p:ext uri="{BB962C8B-B14F-4D97-AF65-F5344CB8AC3E}">
-        <p14:creationId xmlns:p14="http://schemas.microsoft.com/office/powerpoint/2010/main" val="385155390"/>
+        <p14:creationId xmlns:p14="http://schemas.microsoft.com/office/powerpoint/2010/main" val="937669943"/>
       </p:ext>
     </p:extLst>
   </p:cSld>
@@ -12008,7 +12740,7 @@
           <a:p>
             <a:r>
               <a:rPr lang="en-US" dirty="0" smtClean="0"/>
-              <a:t>Problem statement</a:t>
+              <a:t>How Race Conditions happen in Node</a:t>
             </a:r>
             <a:endParaRPr lang="en-US" dirty="0"/>
           </a:p>
@@ -12024,70 +12756,51 @@
             <p:ph idx="1"/>
           </p:nvPr>
         </p:nvSpPr>
-        <p:spPr>
-          <a:xfrm>
-            <a:off x="609599" y="1834227"/>
-            <a:ext cx="6347714" cy="3880773"/>
-          </a:xfrm>
-        </p:spPr>
+        <p:spPr/>
         <p:txBody>
           <a:bodyPr/>
           <a:lstStyle/>
           <a:p>
             <a:r>
               <a:rPr lang="en-US" dirty="0" smtClean="0"/>
-              <a:t>Delaying specific operation until the first time it is needed</a:t>
+              <a:t>Same objects are updated between multiple requests paths</a:t>
+            </a:r>
+          </a:p>
+          <a:p>
+            <a:r>
+              <a:rPr lang="en-US" dirty="0" smtClean="0"/>
+              <a:t>It is hard to control the exact ordering that the event loop perform operations</a:t>
+            </a:r>
+          </a:p>
+          <a:p>
+            <a:r>
+              <a:rPr lang="en-US" dirty="0" smtClean="0"/>
+              <a:t>Asynchronous operations will cause </a:t>
             </a:r>
           </a:p>
           <a:p>
             <a:pPr lvl="1"/>
             <a:r>
-              <a:rPr lang="en-US" dirty="0"/>
-              <a:t>C</a:t>
-            </a:r>
-            <a:r>
-              <a:rPr lang="en-US" dirty="0" smtClean="0"/>
-              <a:t>reation of an object </a:t>
-            </a:r>
+              <a:rPr lang="en-US" dirty="0" smtClean="0"/>
+              <a:t>Event loop will stop current event and start executing others</a:t>
+            </a:r>
+          </a:p>
+          <a:p>
+            <a:pPr lvl="1"/>
+            <a:r>
+              <a:rPr lang="en-US" dirty="0" smtClean="0"/>
+              <a:t>Can cause to switch between different requests paths</a:t>
+            </a:r>
+          </a:p>
+          <a:p>
             <a:endParaRPr lang="en-US" dirty="0"/>
-          </a:p>
-          <a:p>
-            <a:pPr lvl="1"/>
-            <a:r>
-              <a:rPr lang="en-US" dirty="0"/>
-              <a:t>C</a:t>
-            </a:r>
-            <a:r>
-              <a:rPr lang="en-US" dirty="0" smtClean="0"/>
-              <a:t>alculation of a value.</a:t>
-            </a:r>
-          </a:p>
-          <a:p>
-            <a:pPr lvl="1"/>
-            <a:r>
-              <a:rPr lang="en-US" dirty="0" smtClean="0"/>
-              <a:t>Other expensive operation</a:t>
-            </a:r>
-          </a:p>
-          <a:p>
-            <a:r>
-              <a:rPr lang="en-US" dirty="0" smtClean="0"/>
-              <a:t>Avoid repeating the operation the next time it is needed</a:t>
-            </a:r>
-            <a:endParaRPr lang="he-IL" dirty="0" smtClean="0"/>
-          </a:p>
-          <a:p>
-            <a:r>
-              <a:rPr lang="en-US" dirty="0" smtClean="0"/>
-              <a:t>Initialize a member by key on an internal cache container</a:t>
-            </a:r>
           </a:p>
         </p:txBody>
       </p:sp>
     </p:spTree>
     <p:extLst>
       <p:ext uri="{BB962C8B-B14F-4D97-AF65-F5344CB8AC3E}">
-        <p14:creationId xmlns:p14="http://schemas.microsoft.com/office/powerpoint/2010/main" val="556160014"/>
+        <p14:creationId xmlns:p14="http://schemas.microsoft.com/office/powerpoint/2010/main" val="305669676"/>
       </p:ext>
     </p:extLst>
   </p:cSld>
@@ -12348,7 +13061,7 @@
   <a:extraClrSchemeLst/>
   <a:extLst>
     <a:ext uri="{05A4C25C-085E-4340-85A3-A5531E510DB2}">
-      <thm15:themeFamily xmlns:thm15="http://schemas.microsoft.com/office/thememl/2012/main" xmlns="" name="Facet" id="{C0C680CD-088A-49FC-A102-D699147F32B2}" vid="{CFBC31BA-B70F-4F30-BCAA-4F3011E16C4D}"/>
+      <thm15:themeFamily xmlns="" xmlns:thm15="http://schemas.microsoft.com/office/thememl/2012/main" name="Facet" id="{C0C680CD-088A-49FC-A102-D699147F32B2}" vid="{CFBC31BA-B70F-4F30-BCAA-4F3011E16C4D}"/>
     </a:ext>
   </a:extLst>
 </a:theme>
